--- a/Lectures/Week08/Lecture14.pptx
+++ b/Lectures/Week08/Lecture14.pptx
@@ -3341,8 +3341,8 @@
           </a:p>
         </p:txBody>
       </p:sp>
-      <mc:AlternateContent xmlns:mc="http://schemas.openxmlformats.org/markup-compatibility/2006" xmlns:a14="http://schemas.microsoft.com/office/drawing/2010/main">
-        <mc:Choice Requires="a14">
+      <mc:AlternateContent xmlns:mc="http://schemas.openxmlformats.org/markup-compatibility/2006">
+        <mc:Choice xmlns:a14="http://schemas.microsoft.com/office/drawing/2010/main" Requires="a14">
           <p:sp>
             <p:nvSpPr>
               <p:cNvPr id="8" name="Content Placeholder 7">
@@ -3381,7 +3381,7 @@
                         </a:solidFill>
                         <a:latin typeface="Cambria Math" panose="02040503050406030204" pitchFamily="18" charset="0"/>
                       </a:rPr>
-                      <m:t>𝑢</m:t>
+                      <m:t>𝑥</m:t>
                     </m:r>
                     <m:d>
                       <m:dPr>
@@ -3402,7 +3402,7 @@
                             </a:solidFill>
                             <a:latin typeface="Cambria Math" panose="02040503050406030204" pitchFamily="18" charset="0"/>
                           </a:rPr>
-                          <m:t>𝑥</m:t>
+                          <m:t>𝑧</m:t>
                         </m:r>
                       </m:e>
                     </m:d>
@@ -3436,13 +3436,13 @@
                       </m:dPr>
                       <m:e>
                         <m:r>
-                          <a:rPr lang="en-US" i="1">
+                          <a:rPr lang="en-US" b="0" i="1" smtClean="0">
                             <a:solidFill>
                               <a:srgbClr val="0033CC"/>
                             </a:solidFill>
                             <a:latin typeface="Cambria Math" panose="02040503050406030204" pitchFamily="18" charset="0"/>
                           </a:rPr>
-                          <m:t>𝑥</m:t>
+                          <m:t>𝑝</m:t>
                         </m:r>
                         <m:r>
                           <a:rPr lang="en-US" i="1">
@@ -3481,13 +3481,13 @@
                 <a14:m>
                   <m:oMath xmlns:m="http://schemas.openxmlformats.org/officeDocument/2006/math">
                     <m:r>
-                      <a:rPr lang="en-US" i="1" smtClean="0">
+                      <a:rPr lang="en-US" b="0" i="1" smtClean="0">
                         <a:solidFill>
                           <a:srgbClr val="0033CC"/>
                         </a:solidFill>
                         <a:latin typeface="Cambria Math" panose="02040503050406030204" pitchFamily="18" charset="0"/>
                       </a:rPr>
-                      <m:t>𝑥</m:t>
+                      <m:t>𝑝</m:t>
                     </m:r>
                     <m:r>
                       <a:rPr lang="en-US" b="0" i="1" smtClean="0">
@@ -3535,7 +3535,7 @@
                             </a:solidFill>
                             <a:latin typeface="Cambria Math" panose="02040503050406030204" pitchFamily="18" charset="0"/>
                           </a:rPr>
-                          <m:t>𝑢</m:t>
+                          <m:t>𝑥</m:t>
                         </m:r>
                       </m:e>
                       <m:sub>
@@ -3609,7 +3609,7 @@
                         </a:solidFill>
                         <a:latin typeface="Cambria Math" panose="02040503050406030204" pitchFamily="18" charset="0"/>
                       </a:rPr>
-                      <m:t>𝛼</m:t>
+                      <m:t>𝜁</m:t>
                     </m:r>
                     <m:r>
                       <a:rPr lang="en-US" i="1">
@@ -3675,7 +3675,7 @@
                 </a:r>
                 <a:r>
                   <a:rPr lang="en-US" dirty="0"/>
-                  <a:t>of the three components:</a:t>
+                  <a:t>of three components:</a:t>
                 </a:r>
               </a:p>
               <a:p>
@@ -3876,7 +3876,7 @@
             </p:txBody>
           </p:sp>
         </mc:Choice>
-        <mc:Fallback xmlns="">
+        <mc:Fallback>
           <p:sp>
             <p:nvSpPr>
               <p:cNvPr id="8" name="Content Placeholder 7">
@@ -3897,7 +3897,7 @@
               <a:blipFill>
                 <a:blip r:embed="rId2"/>
                 <a:stretch>
-                  <a:fillRect l="-1142" t="-1316"/>
+                  <a:fillRect l="-1142" t="-1316" r="-2121"/>
                 </a:stretch>
               </a:blipFill>
             </p:spPr>
@@ -3938,262 +3938,6 @@
       </p:transition>
     </mc:Fallback>
   </mc:AlternateContent>
-  <p:timing>
-    <p:tnLst>
-      <p:par>
-        <p:cTn id="1" dur="indefinite" restart="never" nodeType="tmRoot">
-          <p:childTnLst>
-            <p:seq concurrent="1" nextAc="seek">
-              <p:cTn id="2" dur="indefinite" nodeType="mainSeq">
-                <p:childTnLst>
-                  <p:par>
-                    <p:cTn id="3" fill="hold">
-                      <p:stCondLst>
-                        <p:cond delay="indefinite"/>
-                      </p:stCondLst>
-                      <p:childTnLst>
-                        <p:par>
-                          <p:cTn id="4" fill="hold">
-                            <p:stCondLst>
-                              <p:cond delay="0"/>
-                            </p:stCondLst>
-                            <p:childTnLst>
-                              <p:par>
-                                <p:cTn id="5" presetID="10" presetClass="entr" presetSubtype="0" fill="hold" nodeType="clickEffect">
-                                  <p:stCondLst>
-                                    <p:cond delay="0"/>
-                                  </p:stCondLst>
-                                  <p:childTnLst>
-                                    <p:set>
-                                      <p:cBhvr>
-                                        <p:cTn id="6" dur="1" fill="hold">
-                                          <p:stCondLst>
-                                            <p:cond delay="0"/>
-                                          </p:stCondLst>
-                                        </p:cTn>
-                                        <p:tgtEl>
-                                          <p:spTgt spid="8">
-                                            <p:txEl>
-                                              <p:pRg st="1" end="1"/>
-                                            </p:txEl>
-                                          </p:spTgt>
-                                        </p:tgtEl>
-                                        <p:attrNameLst>
-                                          <p:attrName>style.visibility</p:attrName>
-                                        </p:attrNameLst>
-                                      </p:cBhvr>
-                                      <p:to>
-                                        <p:strVal val="visible"/>
-                                      </p:to>
-                                    </p:set>
-                                    <p:animEffect transition="in" filter="fade">
-                                      <p:cBhvr>
-                                        <p:cTn id="7" dur="500"/>
-                                        <p:tgtEl>
-                                          <p:spTgt spid="8">
-                                            <p:txEl>
-                                              <p:pRg st="1" end="1"/>
-                                            </p:txEl>
-                                          </p:spTgt>
-                                        </p:tgtEl>
-                                      </p:cBhvr>
-                                    </p:animEffect>
-                                  </p:childTnLst>
-                                </p:cTn>
-                              </p:par>
-                              <p:par>
-                                <p:cTn id="8" presetID="10" presetClass="entr" presetSubtype="0" fill="hold" nodeType="withEffect">
-                                  <p:stCondLst>
-                                    <p:cond delay="0"/>
-                                  </p:stCondLst>
-                                  <p:childTnLst>
-                                    <p:set>
-                                      <p:cBhvr>
-                                        <p:cTn id="9" dur="1" fill="hold">
-                                          <p:stCondLst>
-                                            <p:cond delay="0"/>
-                                          </p:stCondLst>
-                                        </p:cTn>
-                                        <p:tgtEl>
-                                          <p:spTgt spid="8">
-                                            <p:txEl>
-                                              <p:pRg st="2" end="2"/>
-                                            </p:txEl>
-                                          </p:spTgt>
-                                        </p:tgtEl>
-                                        <p:attrNameLst>
-                                          <p:attrName>style.visibility</p:attrName>
-                                        </p:attrNameLst>
-                                      </p:cBhvr>
-                                      <p:to>
-                                        <p:strVal val="visible"/>
-                                      </p:to>
-                                    </p:set>
-                                    <p:animEffect transition="in" filter="fade">
-                                      <p:cBhvr>
-                                        <p:cTn id="10" dur="500"/>
-                                        <p:tgtEl>
-                                          <p:spTgt spid="8">
-                                            <p:txEl>
-                                              <p:pRg st="2" end="2"/>
-                                            </p:txEl>
-                                          </p:spTgt>
-                                        </p:tgtEl>
-                                      </p:cBhvr>
-                                    </p:animEffect>
-                                  </p:childTnLst>
-                                </p:cTn>
-                              </p:par>
-                            </p:childTnLst>
-                          </p:cTn>
-                        </p:par>
-                      </p:childTnLst>
-                    </p:cTn>
-                  </p:par>
-                  <p:par>
-                    <p:cTn id="11" fill="hold">
-                      <p:stCondLst>
-                        <p:cond delay="indefinite"/>
-                      </p:stCondLst>
-                      <p:childTnLst>
-                        <p:par>
-                          <p:cTn id="12" fill="hold">
-                            <p:stCondLst>
-                              <p:cond delay="0"/>
-                            </p:stCondLst>
-                            <p:childTnLst>
-                              <p:par>
-                                <p:cTn id="13" presetID="10" presetClass="entr" presetSubtype="0" fill="hold" nodeType="clickEffect">
-                                  <p:stCondLst>
-                                    <p:cond delay="0"/>
-                                  </p:stCondLst>
-                                  <p:childTnLst>
-                                    <p:set>
-                                      <p:cBhvr>
-                                        <p:cTn id="14" dur="1" fill="hold">
-                                          <p:stCondLst>
-                                            <p:cond delay="0"/>
-                                          </p:stCondLst>
-                                        </p:cTn>
-                                        <p:tgtEl>
-                                          <p:spTgt spid="8">
-                                            <p:txEl>
-                                              <p:pRg st="3" end="3"/>
-                                            </p:txEl>
-                                          </p:spTgt>
-                                        </p:tgtEl>
-                                        <p:attrNameLst>
-                                          <p:attrName>style.visibility</p:attrName>
-                                        </p:attrNameLst>
-                                      </p:cBhvr>
-                                      <p:to>
-                                        <p:strVal val="visible"/>
-                                      </p:to>
-                                    </p:set>
-                                    <p:animEffect transition="in" filter="fade">
-                                      <p:cBhvr>
-                                        <p:cTn id="15" dur="500"/>
-                                        <p:tgtEl>
-                                          <p:spTgt spid="8">
-                                            <p:txEl>
-                                              <p:pRg st="3" end="3"/>
-                                            </p:txEl>
-                                          </p:spTgt>
-                                        </p:tgtEl>
-                                      </p:cBhvr>
-                                    </p:animEffect>
-                                  </p:childTnLst>
-                                </p:cTn>
-                              </p:par>
-                            </p:childTnLst>
-                          </p:cTn>
-                        </p:par>
-                      </p:childTnLst>
-                    </p:cTn>
-                  </p:par>
-                  <p:par>
-                    <p:cTn id="16" fill="hold">
-                      <p:stCondLst>
-                        <p:cond delay="indefinite"/>
-                      </p:stCondLst>
-                      <p:childTnLst>
-                        <p:par>
-                          <p:cTn id="17" fill="hold">
-                            <p:stCondLst>
-                              <p:cond delay="0"/>
-                            </p:stCondLst>
-                            <p:childTnLst>
-                              <p:par>
-                                <p:cTn id="18" presetID="10" presetClass="entr" presetSubtype="0" fill="hold" nodeType="clickEffect">
-                                  <p:stCondLst>
-                                    <p:cond delay="0"/>
-                                  </p:stCondLst>
-                                  <p:childTnLst>
-                                    <p:set>
-                                      <p:cBhvr>
-                                        <p:cTn id="19" dur="1" fill="hold">
-                                          <p:stCondLst>
-                                            <p:cond delay="0"/>
-                                          </p:stCondLst>
-                                        </p:cTn>
-                                        <p:tgtEl>
-                                          <p:spTgt spid="8">
-                                            <p:txEl>
-                                              <p:pRg st="4" end="4"/>
-                                            </p:txEl>
-                                          </p:spTgt>
-                                        </p:tgtEl>
-                                        <p:attrNameLst>
-                                          <p:attrName>style.visibility</p:attrName>
-                                        </p:attrNameLst>
-                                      </p:cBhvr>
-                                      <p:to>
-                                        <p:strVal val="visible"/>
-                                      </p:to>
-                                    </p:set>
-                                    <p:animEffect transition="in" filter="fade">
-                                      <p:cBhvr>
-                                        <p:cTn id="20" dur="500"/>
-                                        <p:tgtEl>
-                                          <p:spTgt spid="8">
-                                            <p:txEl>
-                                              <p:pRg st="4" end="4"/>
-                                            </p:txEl>
-                                          </p:spTgt>
-                                        </p:tgtEl>
-                                      </p:cBhvr>
-                                    </p:animEffect>
-                                  </p:childTnLst>
-                                </p:cTn>
-                              </p:par>
-                            </p:childTnLst>
-                          </p:cTn>
-                        </p:par>
-                      </p:childTnLst>
-                    </p:cTn>
-                  </p:par>
-                </p:childTnLst>
-              </p:cTn>
-              <p:prevCondLst>
-                <p:cond evt="onPrev" delay="0">
-                  <p:tgtEl>
-                    <p:sldTgt/>
-                  </p:tgtEl>
-                </p:cond>
-              </p:prevCondLst>
-              <p:nextCondLst>
-                <p:cond evt="onNext" delay="0">
-                  <p:tgtEl>
-                    <p:sldTgt/>
-                  </p:tgtEl>
-                </p:cond>
-              </p:nextCondLst>
-            </p:seq>
-          </p:childTnLst>
-        </p:cTn>
-      </p:par>
-    </p:tnLst>
-  </p:timing>
 </p:sld>
 </file>
 
@@ -4512,10 +4256,10 @@
                                             </m:sSubPr>
                                             <m:e>
                                               <m:r>
-                                                <a:rPr lang="en-US" i="1">
+                                                <a:rPr lang="en-US" b="0" i="1" smtClean="0">
                                                   <a:latin typeface="Cambria Math" panose="02040503050406030204" pitchFamily="18" charset="0"/>
                                                 </a:rPr>
-                                                <m:t>𝑥</m:t>
+                                                <m:t>𝑝</m:t>
                                               </m:r>
                                             </m:e>
                                             <m:sub>
@@ -4671,10 +4415,10 @@
                                             </m:sSubPr>
                                             <m:e>
                                               <m:r>
-                                                <a:rPr lang="en-US" i="1">
+                                                <a:rPr lang="en-US" b="0" i="1" smtClean="0">
                                                   <a:latin typeface="Cambria Math" panose="02040503050406030204" pitchFamily="18" charset="0"/>
                                                 </a:rPr>
-                                                <m:t>𝑥</m:t>
+                                                <m:t>𝑝</m:t>
                                               </m:r>
                                             </m:e>
                                             <m:sub>
@@ -4734,10 +4478,10 @@
                                 </m:sSubPr>
                                 <m:e>
                                   <m:r>
-                                    <a:rPr lang="en-US" i="1">
+                                    <a:rPr lang="en-US" b="0" i="1" smtClean="0">
                                       <a:latin typeface="Cambria Math" panose="02040503050406030204" pitchFamily="18" charset="0"/>
                                     </a:rPr>
-                                    <m:t>𝑢</m:t>
+                                    <m:t>𝑥</m:t>
                                   </m:r>
                                 </m:e>
                                 <m:sub>
@@ -4839,10 +4583,10 @@
                                                 </m:sSubPr>
                                                 <m:e>
                                                   <m:r>
-                                                    <a:rPr lang="en-US" i="1">
+                                                    <a:rPr lang="en-US" b="0" i="1" smtClean="0">
                                                       <a:latin typeface="Cambria Math" panose="02040503050406030204" pitchFamily="18" charset="0"/>
                                                     </a:rPr>
-                                                    <m:t>𝑥</m:t>
+                                                    <m:t>𝑝</m:t>
                                                   </m:r>
                                                 </m:e>
                                                 <m:sub>
@@ -5154,10 +4898,10 @@
                                         </m:sSubPr>
                                         <m:e>
                                           <m:r>
-                                            <a:rPr lang="en-US" i="1">
+                                            <a:rPr lang="en-US" b="0" i="1" smtClean="0">
                                               <a:latin typeface="Cambria Math" panose="02040503050406030204" pitchFamily="18" charset="0"/>
                                             </a:rPr>
-                                            <m:t>𝑥</m:t>
+                                            <m:t>𝑝</m:t>
                                           </m:r>
                                         </m:e>
                                         <m:sub>
@@ -5190,10 +4934,10 @@
                                     <m:t>−</m:t>
                                   </m:r>
                                   <m:r>
-                                    <a:rPr lang="en-US" i="1">
+                                    <a:rPr lang="en-US" b="0" i="1" smtClean="0">
                                       <a:latin typeface="Cambria Math" panose="02040503050406030204" pitchFamily="18" charset="0"/>
                                     </a:rPr>
-                                    <m:t>𝑢</m:t>
+                                    <m:t>𝑥</m:t>
                                   </m:r>
                                   <m:d>
                                     <m:dPr>
@@ -5214,10 +4958,10 @@
                                         </m:sSubPr>
                                         <m:e>
                                           <m:r>
-                                            <a:rPr lang="en-US" i="1">
+                                            <a:rPr lang="en-US" b="0" i="1" smtClean="0">
                                               <a:latin typeface="Cambria Math" panose="02040503050406030204" pitchFamily="18" charset="0"/>
                                             </a:rPr>
-                                            <m:t>𝑥</m:t>
+                                            <m:t>𝑧</m:t>
                                           </m:r>
                                         </m:e>
                                         <m:sub>
@@ -5316,13 +5060,13 @@
                               </m:sSubPr>
                               <m:e>
                                 <m:r>
-                                  <a:rPr lang="en-US" i="1">
+                                  <a:rPr lang="en-US" b="0" i="1" smtClean="0">
                                     <a:solidFill>
                                       <a:srgbClr val="0033CC"/>
                                     </a:solidFill>
                                     <a:latin typeface="Cambria Math" panose="02040503050406030204" pitchFamily="18" charset="0"/>
                                   </a:rPr>
-                                  <m:t>𝑥</m:t>
+                                  <m:t>𝑝</m:t>
                                 </m:r>
                               </m:e>
                               <m:sub>
@@ -5385,13 +5129,13 @@
                 <a14:m>
                   <m:oMath xmlns:m="http://schemas.openxmlformats.org/officeDocument/2006/math">
                     <m:r>
-                      <a:rPr lang="en-US" i="1">
+                      <a:rPr lang="en-US" b="0" i="1" smtClean="0">
                         <a:solidFill>
                           <a:srgbClr val="0033CC"/>
                         </a:solidFill>
                         <a:latin typeface="Cambria Math" panose="02040503050406030204" pitchFamily="18" charset="0"/>
                       </a:rPr>
-                      <m:t>𝑥</m:t>
+                      <m:t>𝑝</m:t>
                     </m:r>
                     <m:r>
                       <a:rPr lang="en-US" i="1">
@@ -5423,7 +5167,7 @@
                     <m:sSub>
                       <m:sSubPr>
                         <m:ctrlPr>
-                          <a:rPr lang="en-US" i="1">
+                          <a:rPr lang="en-US" b="0" i="1" smtClean="0">
                             <a:solidFill>
                               <a:srgbClr val="0033CC"/>
                             </a:solidFill>
@@ -5433,18 +5177,18 @@
                       </m:sSubPr>
                       <m:e>
                         <m:r>
-                          <a:rPr lang="en-US" i="1">
+                          <a:rPr lang="en-US" b="0" i="1" smtClean="0">
                             <a:solidFill>
                               <a:srgbClr val="0033CC"/>
                             </a:solidFill>
                             <a:latin typeface="Cambria Math" panose="02040503050406030204" pitchFamily="18" charset="0"/>
                           </a:rPr>
-                          <m:t>𝑢</m:t>
+                          <m:t>𝑥</m:t>
                         </m:r>
                       </m:e>
                       <m:sub>
                         <m:r>
-                          <a:rPr lang="en-US" i="1">
+                          <a:rPr lang="en-US" b="0" i="1" smtClean="0">
                             <a:solidFill>
                               <a:srgbClr val="0033CC"/>
                             </a:solidFill>
@@ -5507,13 +5251,13 @@
                       <m:t>, </m:t>
                     </m:r>
                     <m:r>
-                      <a:rPr lang="en-US" i="1">
+                      <a:rPr lang="en-US" b="0" i="1" smtClean="0">
                         <a:solidFill>
                           <a:srgbClr val="0033CC"/>
                         </a:solidFill>
                         <a:latin typeface="Cambria Math" panose="02040503050406030204" pitchFamily="18" charset="0"/>
                       </a:rPr>
-                      <m:t>𝛼</m:t>
+                      <m:t>𝜁</m:t>
                     </m:r>
                     <m:r>
                       <a:rPr lang="en-US" i="1">
@@ -6283,8 +6027,8 @@
           </a:p>
         </p:txBody>
       </p:sp>
-      <mc:AlternateContent xmlns:mc="http://schemas.openxmlformats.org/markup-compatibility/2006" xmlns:a14="http://schemas.microsoft.com/office/drawing/2010/main">
-        <mc:Choice Requires="a14">
+      <mc:AlternateContent xmlns:mc="http://schemas.openxmlformats.org/markup-compatibility/2006">
+        <mc:Choice xmlns:a14="http://schemas.microsoft.com/office/drawing/2010/main" Requires="a14">
           <p:sp>
             <p:nvSpPr>
               <p:cNvPr id="8" name="Content Placeholder 7">
@@ -6521,7 +6265,7 @@
                         </a:solidFill>
                         <a:latin typeface="Cambria Math" panose="02040503050406030204" pitchFamily="18" charset="0"/>
                       </a:rPr>
-                      <m:t>𝑢</m:t>
+                      <m:t>𝑥</m:t>
                     </m:r>
                     <m:r>
                       <a:rPr lang="en-US" b="0" i="1" smtClean="0">
@@ -6590,7 +6334,7 @@
                         <a:rPr lang="en-US" b="0" i="1" smtClean="0">
                           <a:latin typeface="Cambria Math" panose="02040503050406030204" pitchFamily="18" charset="0"/>
                         </a:rPr>
-                        <m:t>𝑢</m:t>
+                        <m:t>𝑥</m:t>
                       </m:r>
                       <m:d>
                         <m:dPr>
@@ -6628,7 +6372,7 @@
                             <a:rPr lang="en-US" b="0" i="1" smtClean="0">
                               <a:latin typeface="Cambria Math" panose="02040503050406030204" pitchFamily="18" charset="0"/>
                             </a:rPr>
-                            <m:t>𝑢</m:t>
+                            <m:t>𝑥</m:t>
                           </m:r>
                         </m:e>
                         <m:sub>
@@ -6708,7 +6452,7 @@
                             <a:rPr lang="en-US" b="0" i="1" smtClean="0">
                               <a:latin typeface="Cambria Math" panose="02040503050406030204" pitchFamily="18" charset="0"/>
                             </a:rPr>
-                            <m:t>𝑥</m:t>
+                            <m:t>𝑝</m:t>
                           </m:r>
                           <m:r>
                             <a:rPr lang="en-US" b="0" i="1" smtClean="0">
@@ -6783,7 +6527,7 @@
                         <a:rPr lang="en-US" b="0" i="1" smtClean="0">
                           <a:latin typeface="Cambria Math" panose="02040503050406030204" pitchFamily="18" charset="0"/>
                         </a:rPr>
-                        <m:t>𝑢</m:t>
+                        <m:t>𝑥</m:t>
                       </m:r>
                       <m:d>
                         <m:dPr>
@@ -6827,10 +6571,10 @@
                             </m:sSubPr>
                             <m:e>
                               <m:r>
-                                <a:rPr lang="en-US" i="1">
+                                <a:rPr lang="en-US" b="0" i="1" smtClean="0">
                                   <a:latin typeface="Cambria Math" panose="02040503050406030204" pitchFamily="18" charset="0"/>
                                 </a:rPr>
-                                <m:t>𝑢</m:t>
+                                <m:t>𝑥</m:t>
                               </m:r>
                             </m:e>
                             <m:sub>
@@ -6907,10 +6651,10 @@
                             </m:dPr>
                             <m:e>
                               <m:r>
-                                <a:rPr lang="en-US" i="1">
+                                <a:rPr lang="en-US" b="0" i="1" smtClean="0">
                                   <a:latin typeface="Cambria Math" panose="02040503050406030204" pitchFamily="18" charset="0"/>
                                 </a:rPr>
-                                <m:t>𝑥</m:t>
+                                <m:t>𝑝</m:t>
                               </m:r>
                               <m:r>
                                 <a:rPr lang="en-US" i="1">
@@ -7000,7 +6744,7 @@
             </p:txBody>
           </p:sp>
         </mc:Choice>
-        <mc:Fallback xmlns="">
+        <mc:Fallback>
           <p:sp>
             <p:nvSpPr>
               <p:cNvPr id="8" name="Content Placeholder 7">
@@ -7062,140 +6806,6 @@
       </p:transition>
     </mc:Fallback>
   </mc:AlternateContent>
-  <p:timing>
-    <p:tnLst>
-      <p:par>
-        <p:cTn id="1" dur="indefinite" restart="never" nodeType="tmRoot">
-          <p:childTnLst>
-            <p:seq concurrent="1" nextAc="seek">
-              <p:cTn id="2" dur="indefinite" nodeType="mainSeq">
-                <p:childTnLst>
-                  <p:par>
-                    <p:cTn id="3" fill="hold">
-                      <p:stCondLst>
-                        <p:cond delay="indefinite"/>
-                      </p:stCondLst>
-                      <p:childTnLst>
-                        <p:par>
-                          <p:cTn id="4" fill="hold">
-                            <p:stCondLst>
-                              <p:cond delay="0"/>
-                            </p:stCondLst>
-                            <p:childTnLst>
-                              <p:par>
-                                <p:cTn id="5" presetID="10" presetClass="entr" presetSubtype="0" fill="hold" nodeType="clickEffect">
-                                  <p:stCondLst>
-                                    <p:cond delay="0"/>
-                                  </p:stCondLst>
-                                  <p:childTnLst>
-                                    <p:set>
-                                      <p:cBhvr>
-                                        <p:cTn id="6" dur="1" fill="hold">
-                                          <p:stCondLst>
-                                            <p:cond delay="0"/>
-                                          </p:stCondLst>
-                                        </p:cTn>
-                                        <p:tgtEl>
-                                          <p:spTgt spid="8">
-                                            <p:txEl>
-                                              <p:pRg st="5" end="5"/>
-                                            </p:txEl>
-                                          </p:spTgt>
-                                        </p:tgtEl>
-                                        <p:attrNameLst>
-                                          <p:attrName>style.visibility</p:attrName>
-                                        </p:attrNameLst>
-                                      </p:cBhvr>
-                                      <p:to>
-                                        <p:strVal val="visible"/>
-                                      </p:to>
-                                    </p:set>
-                                    <p:animEffect transition="in" filter="fade">
-                                      <p:cBhvr>
-                                        <p:cTn id="7" dur="500"/>
-                                        <p:tgtEl>
-                                          <p:spTgt spid="8">
-                                            <p:txEl>
-                                              <p:pRg st="5" end="5"/>
-                                            </p:txEl>
-                                          </p:spTgt>
-                                        </p:tgtEl>
-                                      </p:cBhvr>
-                                    </p:animEffect>
-                                  </p:childTnLst>
-                                </p:cTn>
-                              </p:par>
-                              <p:par>
-                                <p:cTn id="8" presetID="10" presetClass="entr" presetSubtype="0" fill="hold" nodeType="withEffect">
-                                  <p:stCondLst>
-                                    <p:cond delay="0"/>
-                                  </p:stCondLst>
-                                  <p:childTnLst>
-                                    <p:set>
-                                      <p:cBhvr>
-                                        <p:cTn id="9" dur="1" fill="hold">
-                                          <p:stCondLst>
-                                            <p:cond delay="0"/>
-                                          </p:stCondLst>
-                                        </p:cTn>
-                                        <p:tgtEl>
-                                          <p:spTgt spid="8">
-                                            <p:txEl>
-                                              <p:pRg st="6" end="6"/>
-                                            </p:txEl>
-                                          </p:spTgt>
-                                        </p:tgtEl>
-                                        <p:attrNameLst>
-                                          <p:attrName>style.visibility</p:attrName>
-                                        </p:attrNameLst>
-                                      </p:cBhvr>
-                                      <p:to>
-                                        <p:strVal val="visible"/>
-                                      </p:to>
-                                    </p:set>
-                                    <p:animEffect transition="in" filter="fade">
-                                      <p:cBhvr>
-                                        <p:cTn id="10" dur="500"/>
-                                        <p:tgtEl>
-                                          <p:spTgt spid="8">
-                                            <p:txEl>
-                                              <p:pRg st="6" end="6"/>
-                                            </p:txEl>
-                                          </p:spTgt>
-                                        </p:tgtEl>
-                                      </p:cBhvr>
-                                    </p:animEffect>
-                                  </p:childTnLst>
-                                </p:cTn>
-                              </p:par>
-                            </p:childTnLst>
-                          </p:cTn>
-                        </p:par>
-                      </p:childTnLst>
-                    </p:cTn>
-                  </p:par>
-                </p:childTnLst>
-              </p:cTn>
-              <p:prevCondLst>
-                <p:cond evt="onPrev" delay="0">
-                  <p:tgtEl>
-                    <p:sldTgt/>
-                  </p:tgtEl>
-                </p:cond>
-              </p:prevCondLst>
-              <p:nextCondLst>
-                <p:cond evt="onNext" delay="0">
-                  <p:tgtEl>
-                    <p:sldTgt/>
-                  </p:tgtEl>
-                </p:cond>
-              </p:nextCondLst>
-            </p:seq>
-          </p:childTnLst>
-        </p:cTn>
-      </p:par>
-    </p:tnLst>
-  </p:timing>
 </p:sld>
 </file>
 
@@ -7337,7 +6947,7 @@
                   <a:rPr lang="en-US" dirty="0">
                     <a:latin typeface="+mn-lt"/>
                   </a:rPr>
-                  <a:t> of the neural network.</a:t>
+                  <a:t> of a neural network.</a:t>
                 </a:r>
               </a:p>
               <a:p>
@@ -7595,10 +7205,10 @@
                                         </m:sSubPr>
                                         <m:e>
                                           <m:r>
-                                            <a:rPr lang="en-US" i="1">
+                                            <a:rPr lang="en-US" b="0" i="1" smtClean="0">
                                               <a:latin typeface="Cambria Math" panose="02040503050406030204" pitchFamily="18" charset="0"/>
                                             </a:rPr>
-                                            <m:t>𝑥</m:t>
+                                            <m:t>𝑝</m:t>
                                           </m:r>
                                         </m:e>
                                         <m:sub>
@@ -7758,10 +7368,10 @@
                                             </m:sSubPr>
                                             <m:e>
                                               <m:r>
-                                                <a:rPr lang="en-US" i="1">
+                                                <a:rPr lang="en-US" b="0" i="1" smtClean="0">
                                                   <a:latin typeface="Cambria Math" panose="02040503050406030204" pitchFamily="18" charset="0"/>
                                                 </a:rPr>
-                                                <m:t>𝑥</m:t>
+                                                <m:t>𝑝</m:t>
                                               </m:r>
                                             </m:e>
                                             <m:sub>
@@ -7821,10 +7431,10 @@
                                 </m:sSubPr>
                                 <m:e>
                                   <m:r>
-                                    <a:rPr lang="en-US" i="1">
+                                    <a:rPr lang="en-US" b="0" i="1" smtClean="0">
                                       <a:latin typeface="Cambria Math" panose="02040503050406030204" pitchFamily="18" charset="0"/>
                                     </a:rPr>
-                                    <m:t>𝑢</m:t>
+                                    <m:t>𝑥</m:t>
                                   </m:r>
                                 </m:e>
                                 <m:sub>
@@ -7926,10 +7536,10 @@
                                                 </m:sSubPr>
                                                 <m:e>
                                                   <m:r>
-                                                    <a:rPr lang="en-US" i="1">
+                                                    <a:rPr lang="en-US" b="0" i="1" smtClean="0">
                                                       <a:latin typeface="Cambria Math" panose="02040503050406030204" pitchFamily="18" charset="0"/>
                                                     </a:rPr>
-                                                    <m:t>𝑥</m:t>
+                                                    <m:t>𝑝</m:t>
                                                   </m:r>
                                                 </m:e>
                                                 <m:sub>
@@ -8237,7 +7847,7 @@
                               <a:latin typeface="Cambria Math" panose="02040503050406030204" pitchFamily="18" charset="0"/>
                               <a:ea typeface="Cambria Math" panose="02040503050406030204" pitchFamily="18" charset="0"/>
                             </a:rPr>
-                            <m:t>𝑥</m:t>
+                            <m:t>𝑝</m:t>
                           </m:r>
                         </m:sub>
                       </m:sSub>
@@ -8246,7 +7856,7 @@
                           <a:latin typeface="Cambria Math" panose="02040503050406030204" pitchFamily="18" charset="0"/>
                           <a:ea typeface="Cambria Math" panose="02040503050406030204" pitchFamily="18" charset="0"/>
                         </a:rPr>
-                        <m:t>𝑢</m:t>
+                        <m:t>𝑥</m:t>
                       </m:r>
                       <m:r>
                         <a:rPr lang="en-US" b="0" i="1" smtClean="0">
@@ -8287,7 +7897,7 @@
                                   <a:latin typeface="Cambria Math" panose="02040503050406030204" pitchFamily="18" charset="0"/>
                                   <a:ea typeface="Cambria Math" panose="02040503050406030204" pitchFamily="18" charset="0"/>
                                 </a:rPr>
-                                <m:t>𝑢</m:t>
+                                <m:t>𝑥</m:t>
                               </m:r>
                             </m:num>
                             <m:den>
@@ -8332,11 +7942,11 @@
                                 <m:t>𝜕</m:t>
                               </m:r>
                               <m:r>
-                                <a:rPr lang="en-US" i="1">
+                                <a:rPr lang="en-US" b="0" i="1" smtClean="0">
                                   <a:latin typeface="Cambria Math" panose="02040503050406030204" pitchFamily="18" charset="0"/>
                                   <a:ea typeface="Cambria Math" panose="02040503050406030204" pitchFamily="18" charset="0"/>
                                 </a:rPr>
-                                <m:t>𝑢</m:t>
+                                <m:t>𝑥</m:t>
                               </m:r>
                             </m:num>
                             <m:den>
@@ -8362,7 +7972,7 @@
                                       <a:latin typeface="Cambria Math" panose="02040503050406030204" pitchFamily="18" charset="0"/>
                                       <a:ea typeface="Cambria Math" panose="02040503050406030204" pitchFamily="18" charset="0"/>
                                     </a:rPr>
-                                    <m:t>𝑢</m:t>
+                                    <m:t>𝑥</m:t>
                                   </m:r>
                                 </m:e>
                                 <m:sub>
@@ -8402,11 +8012,11 @@
                                 <m:t>𝜕</m:t>
                               </m:r>
                               <m:r>
-                                <a:rPr lang="en-US" i="1">
+                                <a:rPr lang="en-US" b="0" i="1" smtClean="0">
                                   <a:latin typeface="Cambria Math" panose="02040503050406030204" pitchFamily="18" charset="0"/>
                                   <a:ea typeface="Cambria Math" panose="02040503050406030204" pitchFamily="18" charset="0"/>
                                 </a:rPr>
-                                <m:t>𝑢</m:t>
+                                <m:t>𝑥</m:t>
                               </m:r>
                             </m:num>
                             <m:den>
@@ -8472,11 +8082,11 @@
                                 <m:t>𝜕</m:t>
                               </m:r>
                               <m:r>
-                                <a:rPr lang="en-US" i="1">
+                                <a:rPr lang="en-US" b="0" i="1" smtClean="0">
                                   <a:latin typeface="Cambria Math" panose="02040503050406030204" pitchFamily="18" charset="0"/>
                                   <a:ea typeface="Cambria Math" panose="02040503050406030204" pitchFamily="18" charset="0"/>
                                 </a:rPr>
-                                <m:t>𝑢</m:t>
+                                <m:t>𝑥</m:t>
                               </m:r>
                             </m:num>
                             <m:den>
@@ -8492,7 +8102,7 @@
                                   <a:latin typeface="Cambria Math" panose="02040503050406030204" pitchFamily="18" charset="0"/>
                                   <a:ea typeface="Cambria Math" panose="02040503050406030204" pitchFamily="18" charset="0"/>
                                 </a:rPr>
-                                <m:t>𝛼</m:t>
+                                <m:t>𝜁</m:t>
                               </m:r>
                               <m:r>
                                 <a:rPr lang="en-US" b="0" i="1" smtClean="0">
@@ -8535,7 +8145,7 @@
                     <a:latin typeface="Courier New" panose="02070309020205020404" pitchFamily="49" charset="0"/>
                     <a:cs typeface="Courier New" panose="02070309020205020404" pitchFamily="49" charset="0"/>
                   </a:rPr>
-                  <a:t>dudx</a:t>
+                  <a:t>dxdp</a:t>
                 </a:r>
                 <a:r>
                   <a:rPr lang="en-US" b="1" dirty="0">
@@ -8565,7 +8175,7 @@
                     <a:latin typeface="Courier New" panose="02070309020205020404" pitchFamily="49" charset="0"/>
                     <a:cs typeface="Courier New" panose="02070309020205020404" pitchFamily="49" charset="0"/>
                   </a:rPr>
-                  <a:t>(u, x,                                 				</a:t>
+                  <a:t>(x, p,                                 				</a:t>
                 </a:r>
                 <a:r>
                   <a:rPr lang="en-US" b="1" dirty="0" err="1">
@@ -8585,7 +8195,7 @@
                     <a:latin typeface="Courier New" panose="02070309020205020404" pitchFamily="49" charset="0"/>
                     <a:cs typeface="Courier New" panose="02070309020205020404" pitchFamily="49" charset="0"/>
                   </a:rPr>
-                  <a:t>(u),</a:t>
+                  <a:t>(x),</a:t>
                 </a:r>
               </a:p>
               <a:p>
@@ -8651,7 +8261,7 @@
                       <a:srgbClr val="0033CC"/>
                     </a:solidFill>
                   </a:rPr>
-                  <a:t>du</a:t>
+                  <a:t>dx</a:t>
                 </a:r>
                 <a:r>
                   <a:rPr lang="en-US" dirty="0">
@@ -8707,7 +8317,7 @@
                     <a:latin typeface="Courier New" panose="02070309020205020404" pitchFamily="49" charset="0"/>
                     <a:cs typeface="Courier New" panose="02070309020205020404" pitchFamily="49" charset="0"/>
                   </a:rPr>
-                  <a:t>dudz</a:t>
+                  <a:t>dxdz</a:t>
                 </a:r>
                 <a:r>
                   <a:rPr lang="en-US" b="1" dirty="0">
@@ -8727,7 +8337,7 @@
                     <a:latin typeface="Courier New" panose="02070309020205020404" pitchFamily="49" charset="0"/>
                     <a:cs typeface="Courier New" panose="02070309020205020404" pitchFamily="49" charset="0"/>
                   </a:rPr>
-                  <a:t>dudx</a:t>
+                  <a:t>dxdp</a:t>
                 </a:r>
                 <a:r>
                   <a:rPr lang="en-US" b="1" dirty="0">
@@ -8737,7 +8347,7 @@
                     <a:latin typeface="Courier New" panose="02070309020205020404" pitchFamily="49" charset="0"/>
                     <a:cs typeface="Courier New" panose="02070309020205020404" pitchFamily="49" charset="0"/>
                   </a:rPr>
-                  <a:t>[:,  0].view(-1, 1)</a:t>
+                  <a:t>[:, 0].view(-1, 1)</a:t>
                 </a:r>
               </a:p>
             </p:txBody>
@@ -8867,8 +8477,8 @@
           </a:p>
         </p:txBody>
       </p:sp>
-      <mc:AlternateContent xmlns:mc="http://schemas.openxmlformats.org/markup-compatibility/2006" xmlns:a14="http://schemas.microsoft.com/office/drawing/2010/main">
-        <mc:Choice Requires="a14">
+      <mc:AlternateContent xmlns:mc="http://schemas.openxmlformats.org/markup-compatibility/2006">
+        <mc:Choice xmlns:a14="http://schemas.microsoft.com/office/drawing/2010/main" Requires="a14">
           <p:sp>
             <p:nvSpPr>
               <p:cNvPr id="8" name="Content Placeholder 7">
@@ -8912,16 +8522,37 @@
                       <m:jc m:val="centerGroup"/>
                     </m:oMathParaPr>
                     <m:oMath xmlns:m="http://schemas.openxmlformats.org/officeDocument/2006/math">
-                      <m:r>
-                        <m:rPr>
-                          <m:sty m:val="p"/>
-                        </m:rPr>
-                        <a:rPr lang="en-US" i="1" smtClean="0">
-                          <a:latin typeface="Cambria Math" panose="02040503050406030204" pitchFamily="18" charset="0"/>
-                          <a:ea typeface="Cambria Math" panose="02040503050406030204" pitchFamily="18" charset="0"/>
-                        </a:rPr>
-                        <m:t>∇</m:t>
-                      </m:r>
+                      <m:sSub>
+                        <m:sSubPr>
+                          <m:ctrlPr>
+                            <a:rPr lang="en-US" b="0" i="1" smtClean="0">
+                              <a:latin typeface="Cambria Math" panose="02040503050406030204" pitchFamily="18" charset="0"/>
+                              <a:ea typeface="Cambria Math" panose="02040503050406030204" pitchFamily="18" charset="0"/>
+                            </a:rPr>
+                          </m:ctrlPr>
+                        </m:sSubPr>
+                        <m:e>
+                          <m:r>
+                            <m:rPr>
+                              <m:sty m:val="p"/>
+                            </m:rPr>
+                            <a:rPr lang="en-US" i="1" smtClean="0">
+                              <a:latin typeface="Cambria Math" panose="02040503050406030204" pitchFamily="18" charset="0"/>
+                              <a:ea typeface="Cambria Math" panose="02040503050406030204" pitchFamily="18" charset="0"/>
+                            </a:rPr>
+                            <m:t>∇</m:t>
+                          </m:r>
+                        </m:e>
+                        <m:sub>
+                          <m:r>
+                            <a:rPr lang="en-US" b="0" i="1" smtClean="0">
+                              <a:latin typeface="Cambria Math" panose="02040503050406030204" pitchFamily="18" charset="0"/>
+                              <a:ea typeface="Cambria Math" panose="02040503050406030204" pitchFamily="18" charset="0"/>
+                            </a:rPr>
+                            <m:t>𝑝</m:t>
+                          </m:r>
+                        </m:sub>
+                      </m:sSub>
                       <m:f>
                         <m:fPr>
                           <m:ctrlPr>
@@ -8940,11 +8571,11 @@
                             <m:t>𝜕</m:t>
                           </m:r>
                           <m:r>
-                            <a:rPr lang="en-US" i="1">
+                            <a:rPr lang="en-US" b="0" i="1" smtClean="0">
                               <a:latin typeface="Cambria Math" panose="02040503050406030204" pitchFamily="18" charset="0"/>
                               <a:ea typeface="Cambria Math" panose="02040503050406030204" pitchFamily="18" charset="0"/>
                             </a:rPr>
-                            <m:t>𝑢</m:t>
+                            <m:t>𝑥</m:t>
                           </m:r>
                         </m:num>
                         <m:den>
@@ -9024,7 +8655,7 @@
                                   <a:latin typeface="Cambria Math" panose="02040503050406030204" pitchFamily="18" charset="0"/>
                                   <a:ea typeface="Cambria Math" panose="02040503050406030204" pitchFamily="18" charset="0"/>
                                 </a:rPr>
-                                <m:t>𝑢</m:t>
+                                <m:t>𝑥</m:t>
                               </m:r>
                             </m:num>
                             <m:den>
@@ -9111,11 +8742,11 @@
                                 </m:sup>
                               </m:sSup>
                               <m:r>
-                                <a:rPr lang="en-US" i="1">
+                                <a:rPr lang="en-US" b="0" i="1" smtClean="0">
                                   <a:latin typeface="Cambria Math" panose="02040503050406030204" pitchFamily="18" charset="0"/>
                                   <a:ea typeface="Cambria Math" panose="02040503050406030204" pitchFamily="18" charset="0"/>
                                 </a:rPr>
-                                <m:t>𝑢</m:t>
+                                <m:t>𝑥</m:t>
                               </m:r>
                             </m:num>
                             <m:den>
@@ -9141,7 +8772,7 @@
                                       <a:latin typeface="Cambria Math" panose="02040503050406030204" pitchFamily="18" charset="0"/>
                                       <a:ea typeface="Cambria Math" panose="02040503050406030204" pitchFamily="18" charset="0"/>
                                     </a:rPr>
-                                    <m:t>𝑢</m:t>
+                                    <m:t>𝑥</m:t>
                                   </m:r>
                                 </m:e>
                                 <m:sub>
@@ -9216,11 +8847,11 @@
                                 </m:sup>
                               </m:sSup>
                               <m:r>
-                                <a:rPr lang="en-US" i="1">
+                                <a:rPr lang="en-US" b="0" i="1" smtClean="0">
                                   <a:latin typeface="Cambria Math" panose="02040503050406030204" pitchFamily="18" charset="0"/>
                                   <a:ea typeface="Cambria Math" panose="02040503050406030204" pitchFamily="18" charset="0"/>
                                 </a:rPr>
-                                <m:t>𝑢</m:t>
+                                <m:t>𝑥</m:t>
                               </m:r>
                             </m:num>
                             <m:den>
@@ -9321,11 +8952,11 @@
                                 </m:sup>
                               </m:sSup>
                               <m:r>
-                                <a:rPr lang="en-US" i="1">
+                                <a:rPr lang="en-US" b="0" i="1" smtClean="0">
                                   <a:latin typeface="Cambria Math" panose="02040503050406030204" pitchFamily="18" charset="0"/>
                                   <a:ea typeface="Cambria Math" panose="02040503050406030204" pitchFamily="18" charset="0"/>
                                 </a:rPr>
-                                <m:t>𝑢</m:t>
+                                <m:t>𝑥</m:t>
                               </m:r>
                             </m:num>
                             <m:den>
@@ -9341,7 +8972,7 @@
                                   <a:latin typeface="Cambria Math" panose="02040503050406030204" pitchFamily="18" charset="0"/>
                                   <a:ea typeface="Cambria Math" panose="02040503050406030204" pitchFamily="18" charset="0"/>
                                 </a:rPr>
-                                <m:t>𝛼</m:t>
+                                <m:t>𝜁</m:t>
                               </m:r>
                               <m:r>
                                 <a:rPr lang="en-US" i="1">
@@ -9391,7 +9022,7 @@
                     <a:latin typeface="Courier New" panose="02070309020205020404" pitchFamily="49" charset="0"/>
                     <a:cs typeface="Courier New" panose="02070309020205020404" pitchFamily="49" charset="0"/>
                   </a:rPr>
-                  <a:t>d2u = </a:t>
+                  <a:t>d2x = </a:t>
                 </a:r>
                 <a:r>
                   <a:rPr lang="en-US" b="1" dirty="0" err="1">
@@ -9421,7 +9052,7 @@
                     <a:latin typeface="Courier New" panose="02070309020205020404" pitchFamily="49" charset="0"/>
                     <a:cs typeface="Courier New" panose="02070309020205020404" pitchFamily="49" charset="0"/>
                   </a:rPr>
-                  <a:t>dudz</a:t>
+                  <a:t>dxdz</a:t>
                 </a:r>
                 <a:r>
                   <a:rPr lang="en-US" b="1" dirty="0">
@@ -9431,7 +9062,7 @@
                     <a:latin typeface="Courier New" panose="02070309020205020404" pitchFamily="49" charset="0"/>
                     <a:cs typeface="Courier New" panose="02070309020205020404" pitchFamily="49" charset="0"/>
                   </a:rPr>
-                  <a:t>, x, </a:t>
+                  <a:t>, p, </a:t>
                 </a:r>
               </a:p>
               <a:p>
@@ -9466,7 +9097,27 @@
                     <a:latin typeface="Courier New" panose="02070309020205020404" pitchFamily="49" charset="0"/>
                     <a:cs typeface="Courier New" panose="02070309020205020404" pitchFamily="49" charset="0"/>
                   </a:rPr>
-                  <a:t>(u),</a:t>
+                  <a:t>(</a:t>
+                </a:r>
+                <a:r>
+                  <a:rPr lang="en-US" b="1" dirty="0" err="1">
+                    <a:solidFill>
+                      <a:srgbClr val="0033CC"/>
+                    </a:solidFill>
+                    <a:latin typeface="Courier New" panose="02070309020205020404" pitchFamily="49" charset="0"/>
+                    <a:cs typeface="Courier New" panose="02070309020205020404" pitchFamily="49" charset="0"/>
+                  </a:rPr>
+                  <a:t>dxdz</a:t>
+                </a:r>
+                <a:r>
+                  <a:rPr lang="en-US" b="1" dirty="0">
+                    <a:solidFill>
+                      <a:srgbClr val="0033CC"/>
+                    </a:solidFill>
+                    <a:latin typeface="Courier New" panose="02070309020205020404" pitchFamily="49" charset="0"/>
+                    <a:cs typeface="Courier New" panose="02070309020205020404" pitchFamily="49" charset="0"/>
+                  </a:rPr>
+                  <a:t>),</a:t>
                 </a:r>
               </a:p>
               <a:p>
@@ -9557,7 +9208,7 @@
                             <a:latin typeface="Cambria Math" panose="02040503050406030204" pitchFamily="18" charset="0"/>
                             <a:ea typeface="Cambria Math" panose="02040503050406030204" pitchFamily="18" charset="0"/>
                           </a:rPr>
-                          <m:t>𝑢</m:t>
+                          <m:t>𝑥</m:t>
                         </m:r>
                       </m:num>
                       <m:den>
@@ -9637,13 +9288,13 @@
                     <a:latin typeface="Courier New" panose="02070309020205020404" pitchFamily="49" charset="0"/>
                     <a:cs typeface="Courier New" panose="02070309020205020404" pitchFamily="49" charset="0"/>
                   </a:rPr>
-                  <a:t>d2udz2 = d2u[:, 0].view(-1, 1)</a:t>
+                  <a:t>d2xdz2 = d2x[:,0].view(-1, 1)</a:t>
                 </a:r>
               </a:p>
             </p:txBody>
           </p:sp>
         </mc:Choice>
-        <mc:Fallback xmlns="">
+        <mc:Fallback>
           <p:sp>
             <p:nvSpPr>
               <p:cNvPr id="8" name="Content Placeholder 7">
@@ -9835,13 +9486,13 @@
                       </m:sSubPr>
                       <m:e>
                         <m:r>
-                          <a:rPr lang="en-US" i="1">
+                          <a:rPr lang="en-US" b="0" i="1" smtClean="0">
                             <a:solidFill>
                               <a:srgbClr val="0033CC"/>
                             </a:solidFill>
                             <a:latin typeface="Cambria Math" panose="02040503050406030204" pitchFamily="18" charset="0"/>
                           </a:rPr>
-                          <m:t>𝑢</m:t>
+                          <m:t>𝑥</m:t>
                         </m:r>
                       </m:e>
                       <m:sub>
@@ -9909,13 +9560,13 @@
                       <m:t>, </m:t>
                     </m:r>
                     <m:r>
-                      <a:rPr lang="en-US" i="1">
+                      <a:rPr lang="en-US" b="0" i="1" smtClean="0">
                         <a:solidFill>
                           <a:srgbClr val="0033CC"/>
                         </a:solidFill>
                         <a:latin typeface="Cambria Math" panose="02040503050406030204" pitchFamily="18" charset="0"/>
                       </a:rPr>
-                      <m:t>𝛼</m:t>
+                      <m:t>𝜁</m:t>
                     </m:r>
                   </m:oMath>
                 </a14:m>
@@ -9985,13 +9636,13 @@
   <p:clrMapOvr>
     <a:masterClrMapping/>
   </p:clrMapOvr>
-  <mc:AlternateContent xmlns:mc="http://schemas.openxmlformats.org/markup-compatibility/2006">
-    <mc:Choice xmlns:p14="http://schemas.microsoft.com/office/powerpoint/2010/main" Requires="p14">
+  <mc:AlternateContent xmlns:mc="http://schemas.openxmlformats.org/markup-compatibility/2006" xmlns:p14="http://schemas.microsoft.com/office/powerpoint/2010/main">
+    <mc:Choice Requires="p14">
       <p:transition spd="med" p14:dur="700">
         <p:fade/>
       </p:transition>
     </mc:Choice>
-    <mc:Fallback>
+    <mc:Fallback xmlns="">
       <p:transition spd="med">
         <p:fade/>
       </p:transition>
@@ -10059,8 +9710,8 @@
           </a:p>
         </p:txBody>
       </p:sp>
-      <mc:AlternateContent xmlns:mc="http://schemas.openxmlformats.org/markup-compatibility/2006" xmlns:a14="http://schemas.microsoft.com/office/drawing/2010/main">
-        <mc:Choice Requires="a14">
+      <mc:AlternateContent xmlns:mc="http://schemas.openxmlformats.org/markup-compatibility/2006">
+        <mc:Choice xmlns:a14="http://schemas.microsoft.com/office/drawing/2010/main" Requires="a14">
           <p:sp>
             <p:nvSpPr>
               <p:cNvPr id="8" name="Content Placeholder 7">
@@ -10080,7 +9731,7 @@
             <p:spPr>
               <a:xfrm>
                 <a:off x="711200" y="1295400"/>
-                <a:ext cx="8204200" cy="4819650"/>
+                <a:ext cx="7772400" cy="4819650"/>
               </a:xfrm>
             </p:spPr>
             <p:txBody>
@@ -10140,14 +9791,139 @@
                   <a:rPr lang="en-US" dirty="0"/>
                   <a:t>First pick off </a:t>
                 </a:r>
-                <a:r>
-                  <a:rPr lang="en-US" i="1" dirty="0">
-                    <a:solidFill>
-                      <a:srgbClr val="0033CC"/>
-                    </a:solidFill>
-                  </a:rPr>
-                  <a:t>alpha</a:t>
-                </a:r>
+                <a14:m>
+                  <m:oMath xmlns:m="http://schemas.openxmlformats.org/officeDocument/2006/math">
+                    <m:r>
+                      <a:rPr lang="en-US" b="0" i="1" smtClean="0">
+                        <a:latin typeface="Cambria Math" panose="02040503050406030204" pitchFamily="18" charset="0"/>
+                      </a:rPr>
+                      <m:t>𝜁</m:t>
+                    </m:r>
+                  </m:oMath>
+                </a14:m>
+                <a:r>
+                  <a:rPr lang="en-US" dirty="0"/>
+                  <a:t> from </a:t>
+                </a:r>
+                <a14:m>
+                  <m:oMath xmlns:m="http://schemas.openxmlformats.org/officeDocument/2006/math">
+                    <m:r>
+                      <a:rPr lang="en-US" i="1">
+                        <a:solidFill>
+                          <a:srgbClr val="0033CC"/>
+                        </a:solidFill>
+                        <a:latin typeface="Cambria Math" panose="02040503050406030204" pitchFamily="18" charset="0"/>
+                      </a:rPr>
+                      <m:t>𝑝</m:t>
+                    </m:r>
+                    <m:r>
+                      <a:rPr lang="en-US" i="1">
+                        <a:solidFill>
+                          <a:srgbClr val="0033CC"/>
+                        </a:solidFill>
+                        <a:latin typeface="Cambria Math" panose="02040503050406030204" pitchFamily="18" charset="0"/>
+                      </a:rPr>
+                      <m:t>=(</m:t>
+                    </m:r>
+                    <m:r>
+                      <a:rPr lang="en-US" i="1">
+                        <a:solidFill>
+                          <a:srgbClr val="0033CC"/>
+                        </a:solidFill>
+                        <a:latin typeface="Cambria Math" panose="02040503050406030204" pitchFamily="18" charset="0"/>
+                      </a:rPr>
+                      <m:t>𝑧</m:t>
+                    </m:r>
+                    <m:r>
+                      <a:rPr lang="en-US" i="1">
+                        <a:solidFill>
+                          <a:srgbClr val="0033CC"/>
+                        </a:solidFill>
+                        <a:latin typeface="Cambria Math" panose="02040503050406030204" pitchFamily="18" charset="0"/>
+                      </a:rPr>
+                      <m:t>, </m:t>
+                    </m:r>
+                    <m:r>
+                      <a:rPr lang="en-US" i="1">
+                        <a:solidFill>
+                          <a:srgbClr val="0033CC"/>
+                        </a:solidFill>
+                        <a:latin typeface="Cambria Math" panose="02040503050406030204" pitchFamily="18" charset="0"/>
+                      </a:rPr>
+                      <m:t>𝑥</m:t>
+                    </m:r>
+                    <m:r>
+                      <a:rPr lang="en-US" i="1">
+                        <a:solidFill>
+                          <a:srgbClr val="0033CC"/>
+                        </a:solidFill>
+                        <a:latin typeface="Cambria Math" panose="02040503050406030204" pitchFamily="18" charset="0"/>
+                      </a:rPr>
+                      <m:t>, </m:t>
+                    </m:r>
+                    <m:sSub>
+                      <m:sSubPr>
+                        <m:ctrlPr>
+                          <a:rPr lang="en-US" i="1">
+                            <a:solidFill>
+                              <a:srgbClr val="0033CC"/>
+                            </a:solidFill>
+                            <a:latin typeface="Cambria Math" panose="02040503050406030204" pitchFamily="18" charset="0"/>
+                          </a:rPr>
+                        </m:ctrlPr>
+                      </m:sSubPr>
+                      <m:e>
+                        <m:r>
+                          <a:rPr lang="en-US" i="1">
+                            <a:solidFill>
+                              <a:srgbClr val="0033CC"/>
+                            </a:solidFill>
+                            <a:latin typeface="Cambria Math" panose="02040503050406030204" pitchFamily="18" charset="0"/>
+                          </a:rPr>
+                          <m:t>𝑣</m:t>
+                        </m:r>
+                      </m:e>
+                      <m:sub>
+                        <m:r>
+                          <a:rPr lang="en-US" i="1">
+                            <a:solidFill>
+                              <a:srgbClr val="0033CC"/>
+                            </a:solidFill>
+                            <a:latin typeface="Cambria Math" panose="02040503050406030204" pitchFamily="18" charset="0"/>
+                          </a:rPr>
+                          <m:t>0</m:t>
+                        </m:r>
+                      </m:sub>
+                    </m:sSub>
+                    <m:r>
+                      <a:rPr lang="en-US" i="1">
+                        <a:solidFill>
+                          <a:srgbClr val="0033CC"/>
+                        </a:solidFill>
+                        <a:latin typeface="Cambria Math" panose="02040503050406030204" pitchFamily="18" charset="0"/>
+                      </a:rPr>
+                      <m:t>, </m:t>
+                    </m:r>
+                    <m:r>
+                      <a:rPr lang="en-US" i="1">
+                        <a:solidFill>
+                          <a:srgbClr val="0033CC"/>
+                        </a:solidFill>
+                        <a:latin typeface="Cambria Math" panose="02040503050406030204" pitchFamily="18" charset="0"/>
+                      </a:rPr>
+                      <m:t>𝜁</m:t>
+                    </m:r>
+                    <m:r>
+                      <a:rPr lang="en-US" i="1">
+                        <a:solidFill>
+                          <a:srgbClr val="0033CC"/>
+                        </a:solidFill>
+                        <a:latin typeface="Cambria Math" panose="02040503050406030204" pitchFamily="18" charset="0"/>
+                      </a:rPr>
+                      <m:t>)</m:t>
+                    </m:r>
+                  </m:oMath>
+                </a14:m>
                 <a:r>
                   <a:rPr lang="en-US" dirty="0"/>
                   <a:t>, change its shape, </a:t>
@@ -10178,7 +9954,7 @@
                     <a:latin typeface="Courier New" panose="02070309020205020404" pitchFamily="49" charset="0"/>
                     <a:cs typeface="Courier New" panose="02070309020205020404" pitchFamily="49" charset="0"/>
                   </a:rPr>
-                  <a:t>alpha = x[:, -1].view(-1, 1)</a:t>
+                  <a:t>zeta = p[:,-1].view(-1, 1)</a:t>
                 </a:r>
               </a:p>
               <a:p>
@@ -10268,7 +10044,7 @@
                             </a:solidFill>
                             <a:latin typeface="Cambria Math" panose="02040503050406030204" pitchFamily="18" charset="0"/>
                           </a:rPr>
-                          <m:t>𝑢</m:t>
+                          <m:t>𝑥</m:t>
                         </m:r>
                       </m:num>
                       <m:den>
@@ -10333,7 +10109,7 @@
                         </a:solidFill>
                         <a:latin typeface="Cambria Math" panose="02040503050406030204" pitchFamily="18" charset="0"/>
                       </a:rPr>
-                      <m:t>𝛼</m:t>
+                      <m:t>𝜁</m:t>
                     </m:r>
                     <m:f>
                       <m:fPr>
@@ -10354,7 +10130,16 @@
                             </a:solidFill>
                             <a:latin typeface="Cambria Math" panose="02040503050406030204" pitchFamily="18" charset="0"/>
                           </a:rPr>
-                          <m:t>𝑑𝑢</m:t>
+                          <m:t>𝑑</m:t>
+                        </m:r>
+                        <m:r>
+                          <a:rPr lang="en-US" b="0" i="1" smtClean="0">
+                            <a:solidFill>
+                              <a:srgbClr val="0033CC"/>
+                            </a:solidFill>
+                            <a:latin typeface="Cambria Math" panose="02040503050406030204" pitchFamily="18" charset="0"/>
+                          </a:rPr>
+                          <m:t>𝑥</m:t>
                         </m:r>
                       </m:num>
                       <m:den>
@@ -10385,7 +10170,7 @@
                         </a:solidFill>
                         <a:latin typeface="Cambria Math" panose="02040503050406030204" pitchFamily="18" charset="0"/>
                       </a:rPr>
-                      <m:t>𝑢</m:t>
+                      <m:t>𝑥</m:t>
                     </m:r>
                   </m:oMath>
                 </a14:m>
@@ -10417,7 +10202,7 @@
                     <a:latin typeface="Courier New" panose="02070309020205020404" pitchFamily="49" charset="0"/>
                     <a:cs typeface="Courier New" panose="02070309020205020404" pitchFamily="49" charset="0"/>
                   </a:rPr>
-                  <a:t>O = d2udz2 + 2*alpha*</a:t>
+                  <a:t>O = d2xdz2 + 2*zeta*</a:t>
                 </a:r>
                 <a:r>
                   <a:rPr lang="en-US" b="1" dirty="0" err="1">
@@ -10427,7 +10212,7 @@
                     <a:latin typeface="Courier New" panose="02070309020205020404" pitchFamily="49" charset="0"/>
                     <a:cs typeface="Courier New" panose="02070309020205020404" pitchFamily="49" charset="0"/>
                   </a:rPr>
-                  <a:t>dudz</a:t>
+                  <a:t>dxdz</a:t>
                 </a:r>
                 <a:r>
                   <a:rPr lang="en-US" b="1" dirty="0">
@@ -10437,7 +10222,7 @@
                     <a:latin typeface="Courier New" panose="02070309020205020404" pitchFamily="49" charset="0"/>
                     <a:cs typeface="Courier New" panose="02070309020205020404" pitchFamily="49" charset="0"/>
                   </a:rPr>
-                  <a:t> + u</a:t>
+                  <a:t> + x</a:t>
                 </a:r>
                 <a:endParaRPr lang="en-US" dirty="0"/>
               </a:p>
@@ -10479,7 +10264,7 @@
             </p:txBody>
           </p:sp>
         </mc:Choice>
-        <mc:Fallback xmlns="">
+        <mc:Fallback>
           <p:sp>
             <p:nvSpPr>
               <p:cNvPr id="8" name="Content Placeholder 7">
@@ -10499,12 +10284,12 @@
             <p:spPr>
               <a:xfrm>
                 <a:off x="711200" y="1295400"/>
-                <a:ext cx="8204200" cy="4819650"/>
+                <a:ext cx="7772400" cy="4819650"/>
               </a:xfrm>
               <a:blipFill>
                 <a:blip r:embed="rId2"/>
                 <a:stretch>
-                  <a:fillRect l="-1236" t="-1316"/>
+                  <a:fillRect l="-1305" t="-1316"/>
                 </a:stretch>
               </a:blipFill>
             </p:spPr>
@@ -10607,8 +10392,8 @@
           </a:p>
         </p:txBody>
       </p:sp>
-      <mc:AlternateContent xmlns:mc="http://schemas.openxmlformats.org/markup-compatibility/2006" xmlns:a14="http://schemas.microsoft.com/office/drawing/2010/main">
-        <mc:Choice Requires="a14">
+      <mc:AlternateContent xmlns:mc="http://schemas.openxmlformats.org/markup-compatibility/2006">
+        <mc:Choice xmlns:a14="http://schemas.microsoft.com/office/drawing/2010/main" Requires="a14">
           <p:sp>
             <p:nvSpPr>
               <p:cNvPr id="8" name="Content Placeholder 7">
@@ -10687,7 +10472,7 @@
                             </a:solidFill>
                             <a:latin typeface="Cambria Math" panose="02040503050406030204" pitchFamily="18" charset="0"/>
                           </a:rPr>
-                          <m:t>𝑥</m:t>
+                          <m:t>𝑝</m:t>
                         </m:r>
                         <m:r>
                           <a:rPr lang="en-US" sz="2400" b="0" i="1" smtClean="0">
@@ -10722,13 +10507,13 @@
                 <a14:m>
                   <m:oMath xmlns:m="http://schemas.openxmlformats.org/officeDocument/2006/math">
                     <m:r>
-                      <a:rPr lang="en-US" i="1">
+                      <a:rPr lang="en-US" b="0" i="1" smtClean="0">
                         <a:solidFill>
                           <a:schemeClr val="tx1"/>
                         </a:solidFill>
                         <a:latin typeface="Cambria Math" panose="02040503050406030204" pitchFamily="18" charset="0"/>
                       </a:rPr>
-                      <m:t>𝑥</m:t>
+                      <m:t>𝑝</m:t>
                     </m:r>
                     <m:r>
                       <a:rPr lang="en-US" i="1">
@@ -10770,13 +10555,13 @@
                       </m:sSubPr>
                       <m:e>
                         <m:r>
-                          <a:rPr lang="en-US" i="1">
+                          <a:rPr lang="en-US" b="0" i="1" smtClean="0">
                             <a:solidFill>
                               <a:schemeClr val="tx1"/>
                             </a:solidFill>
                             <a:latin typeface="Cambria Math" panose="02040503050406030204" pitchFamily="18" charset="0"/>
                           </a:rPr>
-                          <m:t>𝑢</m:t>
+                          <m:t>𝑥</m:t>
                         </m:r>
                       </m:e>
                       <m:sub>
@@ -10844,13 +10629,13 @@
                       <m:t>, </m:t>
                     </m:r>
                     <m:r>
-                      <a:rPr lang="en-US" i="1">
+                      <a:rPr lang="en-US" b="0" i="1" smtClean="0">
                         <a:solidFill>
                           <a:schemeClr val="tx1"/>
                         </a:solidFill>
                         <a:latin typeface="Cambria Math" panose="02040503050406030204" pitchFamily="18" charset="0"/>
                       </a:rPr>
-                      <m:t>𝛼</m:t>
+                      <m:t>𝜁</m:t>
                     </m:r>
                     <m:r>
                       <a:rPr lang="en-US" i="1">
@@ -10907,13 +10692,13 @@
                     </m:oMathParaPr>
                     <m:oMath xmlns:m="http://schemas.openxmlformats.org/officeDocument/2006/math">
                       <m:r>
-                        <a:rPr lang="en-US" i="1" smtClean="0">
+                        <a:rPr lang="en-US" b="0" i="1" smtClean="0">
                           <a:solidFill>
                             <a:schemeClr val="tx1"/>
                           </a:solidFill>
                           <a:latin typeface="Cambria Math" panose="02040503050406030204" pitchFamily="18" charset="0"/>
                         </a:rPr>
-                        <m:t>𝑥</m:t>
+                        <m:t>𝑝</m:t>
                       </m:r>
                       <m:r>
                         <a:rPr lang="en-US" b="0" i="1" smtClean="0">
@@ -11091,7 +10876,7 @@
                 </a:pPr>
                 <a:r>
                   <a:rPr lang="en-US" dirty="0"/>
-                  <a:t>Sample size:	60,000</a:t>
+                  <a:t>Sample size:	250,000</a:t>
                 </a:r>
               </a:p>
               <a:p>
@@ -11118,6 +10903,18 @@
                           <a:rPr lang="en-US" b="0" i="1" smtClean="0">
                             <a:latin typeface="Cambria Math" panose="02040503050406030204" pitchFamily="18" charset="0"/>
                           </a:rPr>
+                          <m:t>5</m:t>
+                        </m:r>
+                        <m:r>
+                          <a:rPr lang="en-US" b="0" i="1" smtClean="0">
+                            <a:latin typeface="Cambria Math" panose="02040503050406030204" pitchFamily="18" charset="0"/>
+                          </a:rPr>
+                          <m:t>×</m:t>
+                        </m:r>
+                        <m:r>
+                          <a:rPr lang="en-US" b="0" i="1" smtClean="0">
+                            <a:latin typeface="Cambria Math" panose="02040503050406030204" pitchFamily="18" charset="0"/>
+                          </a:rPr>
                           <m:t>10</m:t>
                         </m:r>
                       </m:e>
@@ -11126,7 +10923,13 @@
                           <a:rPr lang="en-US" b="0" i="1" smtClean="0">
                             <a:latin typeface="Cambria Math" panose="02040503050406030204" pitchFamily="18" charset="0"/>
                           </a:rPr>
-                          <m:t>−3</m:t>
+                          <m:t>−</m:t>
+                        </m:r>
+                        <m:r>
+                          <a:rPr lang="en-US" b="0" i="1" smtClean="0">
+                            <a:latin typeface="Cambria Math" panose="02040503050406030204" pitchFamily="18" charset="0"/>
+                          </a:rPr>
+                          <m:t>4</m:t>
                         </m:r>
                       </m:sup>
                     </m:sSup>
@@ -11141,7 +10944,7 @@
                 </a:pPr>
                 <a:r>
                   <a:rPr lang="en-US" dirty="0"/>
-                  <a:t>Batch size:	256</a:t>
+                  <a:t>Batch size:	200</a:t>
                 </a:r>
               </a:p>
               <a:p>
@@ -11157,7 +10960,7 @@
             </p:txBody>
           </p:sp>
         </mc:Choice>
-        <mc:Fallback xmlns="">
+        <mc:Fallback>
           <p:sp>
             <p:nvSpPr>
               <p:cNvPr id="8" name="Content Placeholder 7">
@@ -11203,10 +11006,10 @@
       </mc:AlternateContent>
       <p:grpSp>
         <p:nvGrpSpPr>
-          <p:cNvPr id="43" name="Group 42">
+          <p:cNvPr id="2" name="Group 1">
             <a:extLst>
               <a:ext uri="{FF2B5EF4-FFF2-40B4-BE49-F238E27FC236}">
-                <a16:creationId xmlns:a16="http://schemas.microsoft.com/office/drawing/2014/main" id="{E79F1372-9F62-CE71-CC85-BDC082EC1943}"/>
+                <a16:creationId xmlns:a16="http://schemas.microsoft.com/office/drawing/2014/main" id="{185402A5-8EAE-778E-B8C3-AC31F2324BA3}"/>
               </a:ext>
             </a:extLst>
           </p:cNvPr>
@@ -11215,18 +11018,18 @@
         </p:nvGrpSpPr>
         <p:grpSpPr>
           <a:xfrm>
-            <a:off x="6533234" y="1295400"/>
-            <a:ext cx="2382166" cy="3666274"/>
+            <a:off x="6400800" y="1295400"/>
+            <a:ext cx="2458366" cy="3962400"/>
             <a:chOff x="4660900" y="1962346"/>
-            <a:chExt cx="2382166" cy="3666274"/>
+            <a:chExt cx="2382166" cy="3962400"/>
           </a:xfrm>
         </p:grpSpPr>
         <p:grpSp>
           <p:nvGrpSpPr>
-            <p:cNvPr id="23" name="Group 22">
+            <p:cNvPr id="4" name="Group 3">
               <a:extLst>
                 <a:ext uri="{FF2B5EF4-FFF2-40B4-BE49-F238E27FC236}">
-                  <a16:creationId xmlns:a16="http://schemas.microsoft.com/office/drawing/2014/main" id="{F56E5D59-138C-C11C-1148-541B3F2D4E26}"/>
+                  <a16:creationId xmlns:a16="http://schemas.microsoft.com/office/drawing/2014/main" id="{553AE1EE-0813-E8B3-B4F5-EEFCC8D31984}"/>
                 </a:ext>
               </a:extLst>
             </p:cNvPr>
@@ -11243,10 +11046,10 @@
           </p:grpSpPr>
           <p:grpSp>
             <p:nvGrpSpPr>
-              <p:cNvPr id="3" name="Group 2">
+              <p:cNvPr id="35" name="Group 34">
                 <a:extLst>
                   <a:ext uri="{FF2B5EF4-FFF2-40B4-BE49-F238E27FC236}">
-                    <a16:creationId xmlns:a16="http://schemas.microsoft.com/office/drawing/2014/main" id="{F72C6660-5D15-52A5-BEC4-353B5E7F098B}"/>
+                    <a16:creationId xmlns:a16="http://schemas.microsoft.com/office/drawing/2014/main" id="{CFCA3988-8E8F-323E-C435-3C9F8048EDFD}"/>
                   </a:ext>
                 </a:extLst>
               </p:cNvPr>
@@ -11263,10 +11066,10 @@
             </p:grpSpPr>
             <p:sp>
               <p:nvSpPr>
-                <p:cNvPr id="20" name="Rectangle 19">
+                <p:cNvPr id="37" name="Rectangle 36">
                   <a:extLst>
                     <a:ext uri="{FF2B5EF4-FFF2-40B4-BE49-F238E27FC236}">
-                      <a16:creationId xmlns:a16="http://schemas.microsoft.com/office/drawing/2014/main" id="{DE47D195-CDB7-CE21-D4D8-3CE03F0950F8}"/>
+                      <a16:creationId xmlns:a16="http://schemas.microsoft.com/office/drawing/2014/main" id="{D3709731-1C4D-A671-E50C-9E389A4F1639}"/>
                     </a:ext>
                   </a:extLst>
                 </p:cNvPr>
@@ -11328,7 +11131,7 @@
                     <a:rPr lang="en-US" sz="1800" b="1" dirty="0">
                       <a:latin typeface="Times New Roman" pitchFamily="-65" charset="0"/>
                     </a:rPr>
-                    <a:t>Linear(4, 25)</a:t>
+                    <a:t>Linear(4, 32)</a:t>
                   </a:r>
                   <a:endParaRPr kumimoji="0" lang="en-US" sz="1800" b="1" i="0" u="none" strike="noStrike" cap="none" normalizeH="0" baseline="0" dirty="0">
                     <a:ln>
@@ -11342,10 +11145,10 @@
             </p:sp>
             <p:sp>
               <p:nvSpPr>
-                <p:cNvPr id="21" name="Rectangle 20">
+                <p:cNvPr id="38" name="Rectangle 37">
                   <a:extLst>
                     <a:ext uri="{FF2B5EF4-FFF2-40B4-BE49-F238E27FC236}">
-                      <a16:creationId xmlns:a16="http://schemas.microsoft.com/office/drawing/2014/main" id="{0740632A-80F2-EB0D-1DBC-CD538D439D38}"/>
+                      <a16:creationId xmlns:a16="http://schemas.microsoft.com/office/drawing/2014/main" id="{C3CB207B-D4C0-CDAC-5A45-B65F7F710BD4}"/>
                     </a:ext>
                   </a:extLst>
                 </p:cNvPr>
@@ -11434,10 +11237,10 @@
           </p:grpSp>
           <p:cxnSp>
             <p:nvCxnSpPr>
-              <p:cNvPr id="6" name="Straight Arrow Connector 5">
+              <p:cNvPr id="36" name="Straight Arrow Connector 35">
                 <a:extLst>
                   <a:ext uri="{FF2B5EF4-FFF2-40B4-BE49-F238E27FC236}">
-                    <a16:creationId xmlns:a16="http://schemas.microsoft.com/office/drawing/2014/main" id="{FFB04FF6-A108-1D37-B7C4-8BE2E941C398}"/>
+                    <a16:creationId xmlns:a16="http://schemas.microsoft.com/office/drawing/2014/main" id="{F03C27EA-3D4E-2511-730D-E6561D3B92B6}"/>
                   </a:ext>
                 </a:extLst>
               </p:cNvPr>
@@ -11470,10 +11273,10 @@
         </p:grpSp>
         <p:grpSp>
           <p:nvGrpSpPr>
-            <p:cNvPr id="41" name="Group 40">
+            <p:cNvPr id="5" name="Group 4">
               <a:extLst>
                 <a:ext uri="{FF2B5EF4-FFF2-40B4-BE49-F238E27FC236}">
-                  <a16:creationId xmlns:a16="http://schemas.microsoft.com/office/drawing/2014/main" id="{4A1B1AE1-5BD4-BF81-5B40-5BA80D54BBCB}"/>
+                  <a16:creationId xmlns:a16="http://schemas.microsoft.com/office/drawing/2014/main" id="{29D8FC3B-BD1B-A4AE-BE0E-1E6A5CFDF0D4}"/>
                 </a:ext>
               </a:extLst>
             </p:cNvPr>
@@ -11482,18 +11285,18 @@
           </p:nvGrpSpPr>
           <p:grpSpPr>
             <a:xfrm>
-              <a:off x="5514157" y="5105400"/>
-              <a:ext cx="581843" cy="523220"/>
-              <a:chOff x="3200400" y="5953780"/>
-              <a:chExt cx="528949" cy="523220"/>
+              <a:off x="5366666" y="5121298"/>
+              <a:ext cx="330559" cy="803448"/>
+              <a:chOff x="3066310" y="5969678"/>
+              <a:chExt cx="300508" cy="803448"/>
             </a:xfrm>
           </p:grpSpPr>
           <p:cxnSp>
             <p:nvCxnSpPr>
-              <p:cNvPr id="10" name="Straight Arrow Connector 9">
+              <p:cNvPr id="28" name="Straight Arrow Connector 27">
                 <a:extLst>
                   <a:ext uri="{FF2B5EF4-FFF2-40B4-BE49-F238E27FC236}">
-                    <a16:creationId xmlns:a16="http://schemas.microsoft.com/office/drawing/2014/main" id="{4EC3DA13-4D25-6F78-DE64-174413F4F337}"/>
+                    <a16:creationId xmlns:a16="http://schemas.microsoft.com/office/drawing/2014/main" id="{0126194B-A4CC-2198-E6E7-E2A65BD1C2C8}"/>
                   </a:ext>
                 </a:extLst>
               </p:cNvPr>
@@ -11527,10 +11330,10 @@
             <mc:Choice Requires="a14">
               <p:sp>
                 <p:nvSpPr>
-                  <p:cNvPr id="19" name="TextBox 18">
+                  <p:cNvPr id="34" name="TextBox 33">
                     <a:extLst>
                       <a:ext uri="{FF2B5EF4-FFF2-40B4-BE49-F238E27FC236}">
-                        <a16:creationId xmlns:a16="http://schemas.microsoft.com/office/drawing/2014/main" id="{9056FCD6-F679-696B-156A-EB6453CC4DF0}"/>
+                        <a16:creationId xmlns:a16="http://schemas.microsoft.com/office/drawing/2014/main" id="{3DE021B4-C8E5-B63D-F975-C8F026E894C5}"/>
                       </a:ext>
                     </a:extLst>
                   </p:cNvPr>
@@ -11539,7 +11342,7 @@
                 </p:nvSpPr>
                 <p:spPr>
                   <a:xfrm flipH="1">
-                    <a:off x="3428841" y="5953780"/>
+                    <a:off x="3066310" y="6249906"/>
                     <a:ext cx="300508" cy="523220"/>
                   </a:xfrm>
                   <a:prstGeom prst="rect">
@@ -11564,7 +11367,7 @@
                             <a:rPr lang="en-US" sz="2800" b="0" i="1" smtClean="0">
                               <a:latin typeface="Cambria Math" panose="02040503050406030204" pitchFamily="18" charset="0"/>
                             </a:rPr>
-                            <m:t>𝑥</m:t>
+                            <m:t>𝑝</m:t>
                           </m:r>
                         </m:oMath>
                       </m:oMathPara>
@@ -11580,7 +11383,7 @@
                   <p:cNvPr id="19" name="TextBox 18">
                     <a:extLst>
                       <a:ext uri="{FF2B5EF4-FFF2-40B4-BE49-F238E27FC236}">
-                        <a16:creationId xmlns:a16="http://schemas.microsoft.com/office/drawing/2014/main" id="{9056FCD6-F679-696B-156A-EB6453CC4DF0}"/>
+                        <a16:creationId xmlns:a16="http://schemas.microsoft.com/office/drawing/2014/main" id="{2197964C-F039-27C0-0ADE-0069CD5F648A}"/>
                       </a:ext>
                     </a:extLst>
                   </p:cNvPr>
@@ -11591,7 +11394,7 @@
                 </p:nvSpPr>
                 <p:spPr>
                   <a:xfrm flipH="1">
-                    <a:off x="3428841" y="5953780"/>
+                    <a:off x="3066310" y="6249906"/>
                     <a:ext cx="300508" cy="523220"/>
                   </a:xfrm>
                   <a:prstGeom prst="rect">
@@ -11600,7 +11403,7 @@
                   <a:blipFill>
                     <a:blip r:embed="rId3"/>
                     <a:stretch>
-                      <a:fillRect r="-11111"/>
+                      <a:fillRect l="-11111" r="-22222" b="-11628"/>
                     </a:stretch>
                   </a:blipFill>
                 </p:spPr>
@@ -11622,10 +11425,10 @@
         </p:grpSp>
         <p:grpSp>
           <p:nvGrpSpPr>
-            <p:cNvPr id="24" name="Group 23">
+            <p:cNvPr id="9" name="Group 8">
               <a:extLst>
                 <a:ext uri="{FF2B5EF4-FFF2-40B4-BE49-F238E27FC236}">
-                  <a16:creationId xmlns:a16="http://schemas.microsoft.com/office/drawing/2014/main" id="{9E5B89AF-292F-D4DB-FF87-F37F638E2725}"/>
+                  <a16:creationId xmlns:a16="http://schemas.microsoft.com/office/drawing/2014/main" id="{07DB1926-D9DF-7DBF-DF75-3A171B4456A0}"/>
                 </a:ext>
               </a:extLst>
             </p:cNvPr>
@@ -11642,10 +11445,10 @@
           </p:grpSpPr>
           <p:sp>
             <p:nvSpPr>
-              <p:cNvPr id="27" name="Rectangle 26">
+              <p:cNvPr id="22" name="Rectangle 21">
                 <a:extLst>
                   <a:ext uri="{FF2B5EF4-FFF2-40B4-BE49-F238E27FC236}">
-                    <a16:creationId xmlns:a16="http://schemas.microsoft.com/office/drawing/2014/main" id="{12754835-57FC-D8EA-0301-6CBDF503F4C1}"/>
+                    <a16:creationId xmlns:a16="http://schemas.microsoft.com/office/drawing/2014/main" id="{53ADBE26-D010-1B9F-CFD8-E4BB475F8D1A}"/>
                   </a:ext>
                 </a:extLst>
               </p:cNvPr>
@@ -11707,7 +11510,7 @@
                   <a:rPr lang="en-US" sz="1800" b="1" dirty="0">
                     <a:latin typeface="Times New Roman" pitchFamily="-65" charset="0"/>
                   </a:rPr>
-                  <a:t>Linear(25, 1)</a:t>
+                  <a:t>Linear(32, 1)</a:t>
                 </a:r>
                 <a:endParaRPr kumimoji="0" lang="en-US" sz="1800" b="1" i="0" u="none" strike="noStrike" cap="none" normalizeH="0" baseline="0" dirty="0">
                   <a:ln>
@@ -11721,10 +11524,10 @@
           </p:sp>
           <p:cxnSp>
             <p:nvCxnSpPr>
-              <p:cNvPr id="26" name="Straight Arrow Connector 25">
+              <p:cNvPr id="25" name="Straight Arrow Connector 24">
                 <a:extLst>
                   <a:ext uri="{FF2B5EF4-FFF2-40B4-BE49-F238E27FC236}">
-                    <a16:creationId xmlns:a16="http://schemas.microsoft.com/office/drawing/2014/main" id="{8FBB714D-FF87-3C81-D385-F42176FCDBF6}"/>
+                    <a16:creationId xmlns:a16="http://schemas.microsoft.com/office/drawing/2014/main" id="{AECCE452-23F8-1136-36B2-C49FD6373757}"/>
                   </a:ext>
                 </a:extLst>
               </p:cNvPr>
@@ -11757,10 +11560,10 @@
         </p:grpSp>
         <p:grpSp>
           <p:nvGrpSpPr>
-            <p:cNvPr id="40" name="Group 39">
+            <p:cNvPr id="11" name="Group 10">
               <a:extLst>
                 <a:ext uri="{FF2B5EF4-FFF2-40B4-BE49-F238E27FC236}">
-                  <a16:creationId xmlns:a16="http://schemas.microsoft.com/office/drawing/2014/main" id="{36B6EB04-523A-25CE-6394-A8AE6943483B}"/>
+                  <a16:creationId xmlns:a16="http://schemas.microsoft.com/office/drawing/2014/main" id="{7894E85F-08EF-BBAF-6D25-95E8CA373F33}"/>
                 </a:ext>
               </a:extLst>
             </p:cNvPr>
@@ -11777,10 +11580,10 @@
           </p:grpSpPr>
           <p:grpSp>
             <p:nvGrpSpPr>
-              <p:cNvPr id="29" name="Group 28">
+              <p:cNvPr id="13" name="Group 12">
                 <a:extLst>
                   <a:ext uri="{FF2B5EF4-FFF2-40B4-BE49-F238E27FC236}">
-                    <a16:creationId xmlns:a16="http://schemas.microsoft.com/office/drawing/2014/main" id="{C7247F59-5A57-326F-EFCD-EEE9384791D9}"/>
+                    <a16:creationId xmlns:a16="http://schemas.microsoft.com/office/drawing/2014/main" id="{CD85A80A-1923-746F-D66F-4C119E12CC02}"/>
                   </a:ext>
                 </a:extLst>
               </p:cNvPr>
@@ -11797,10 +11600,10 @@
             </p:grpSpPr>
             <p:grpSp>
               <p:nvGrpSpPr>
-                <p:cNvPr id="30" name="Group 29">
+                <p:cNvPr id="15" name="Group 14">
                   <a:extLst>
                     <a:ext uri="{FF2B5EF4-FFF2-40B4-BE49-F238E27FC236}">
-                      <a16:creationId xmlns:a16="http://schemas.microsoft.com/office/drawing/2014/main" id="{1BCB680C-21E6-5B20-1474-D3563F1346A1}"/>
+                      <a16:creationId xmlns:a16="http://schemas.microsoft.com/office/drawing/2014/main" id="{433F0A7C-EBF0-974E-DCF2-D9462D8F5413}"/>
                     </a:ext>
                   </a:extLst>
                 </p:cNvPr>
@@ -11817,10 +11620,10 @@
               </p:grpSpPr>
               <p:sp>
                 <p:nvSpPr>
-                  <p:cNvPr id="32" name="Rectangle 31">
+                  <p:cNvPr id="17" name="Rectangle 16">
                     <a:extLst>
                       <a:ext uri="{FF2B5EF4-FFF2-40B4-BE49-F238E27FC236}">
-                        <a16:creationId xmlns:a16="http://schemas.microsoft.com/office/drawing/2014/main" id="{F81E927C-EC77-FD63-4529-4DE6B5FD560F}"/>
+                        <a16:creationId xmlns:a16="http://schemas.microsoft.com/office/drawing/2014/main" id="{22872834-9CAF-E785-3B0F-66DA691882DC}"/>
                       </a:ext>
                     </a:extLst>
                   </p:cNvPr>
@@ -11882,7 +11685,7 @@
                       <a:rPr lang="en-US" sz="1800" b="1" dirty="0">
                         <a:latin typeface="Times New Roman" pitchFamily="-65" charset="0"/>
                       </a:rPr>
-                      <a:t>Linear(25, 25)</a:t>
+                      <a:t>Linear(32, 32)</a:t>
                     </a:r>
                     <a:endParaRPr kumimoji="0" lang="en-US" sz="1800" b="1" i="0" u="none" strike="noStrike" cap="none" normalizeH="0" baseline="0" dirty="0">
                       <a:ln>
@@ -11896,10 +11699,10 @@
               </p:sp>
               <p:sp>
                 <p:nvSpPr>
-                  <p:cNvPr id="33" name="Rectangle 32">
+                  <p:cNvPr id="18" name="Rectangle 17">
                     <a:extLst>
                       <a:ext uri="{FF2B5EF4-FFF2-40B4-BE49-F238E27FC236}">
-                        <a16:creationId xmlns:a16="http://schemas.microsoft.com/office/drawing/2014/main" id="{B2190232-0B2C-5E54-24D7-0F3FCA529DEE}"/>
+                        <a16:creationId xmlns:a16="http://schemas.microsoft.com/office/drawing/2014/main" id="{EFFAEA6F-9CE2-89CC-69DF-FFD3750F6169}"/>
                       </a:ext>
                     </a:extLst>
                   </p:cNvPr>
@@ -11988,10 +11791,10 @@
             </p:grpSp>
             <p:cxnSp>
               <p:nvCxnSpPr>
-                <p:cNvPr id="31" name="Straight Arrow Connector 30">
+                <p:cNvPr id="16" name="Straight Arrow Connector 15">
                   <a:extLst>
                     <a:ext uri="{FF2B5EF4-FFF2-40B4-BE49-F238E27FC236}">
-                      <a16:creationId xmlns:a16="http://schemas.microsoft.com/office/drawing/2014/main" id="{6BFD4E37-F522-F9C1-8761-5D0536E847E4}"/>
+                      <a16:creationId xmlns:a16="http://schemas.microsoft.com/office/drawing/2014/main" id="{108FA911-A9CF-5948-1C1B-65E56BD4B9A7}"/>
                     </a:ext>
                   </a:extLst>
                 </p:cNvPr>
@@ -12026,10 +11829,10 @@
             <mc:Choice Requires="a14">
               <p:sp>
                 <p:nvSpPr>
-                  <p:cNvPr id="39" name="TextBox 38">
+                  <p:cNvPr id="14" name="TextBox 13">
                     <a:extLst>
                       <a:ext uri="{FF2B5EF4-FFF2-40B4-BE49-F238E27FC236}">
-                        <a16:creationId xmlns:a16="http://schemas.microsoft.com/office/drawing/2014/main" id="{C8E5346C-7909-B77E-31E5-E3B271A0B6B2}"/>
+                        <a16:creationId xmlns:a16="http://schemas.microsoft.com/office/drawing/2014/main" id="{E32ECCC2-D45C-BF1D-0C80-3EA5BA51B5E3}"/>
                       </a:ext>
                     </a:extLst>
                   </p:cNvPr>
@@ -12071,7 +11874,7 @@
                               <a:latin typeface="Cambria Math" panose="02040503050406030204" pitchFamily="18" charset="0"/>
                               <a:ea typeface="Cambria Math" panose="02040503050406030204" pitchFamily="18" charset="0"/>
                             </a:rPr>
-                            <m:t> 5</m:t>
+                            <m:t> 4</m:t>
                           </m:r>
                         </m:oMath>
                       </m:oMathPara>
@@ -12087,7 +11890,7 @@
                   <p:cNvPr id="39" name="TextBox 38">
                     <a:extLst>
                       <a:ext uri="{FF2B5EF4-FFF2-40B4-BE49-F238E27FC236}">
-                        <a16:creationId xmlns:a16="http://schemas.microsoft.com/office/drawing/2014/main" id="{C8E5346C-7909-B77E-31E5-E3B271A0B6B2}"/>
+                        <a16:creationId xmlns:a16="http://schemas.microsoft.com/office/drawing/2014/main" id="{E1091CDD-C32A-2866-B688-7283EAAC667A}"/>
                       </a:ext>
                     </a:extLst>
                   </p:cNvPr>
@@ -12131,10 +11934,10 @@
           <mc:Choice Requires="a14">
             <p:sp>
               <p:nvSpPr>
-                <p:cNvPr id="42" name="TextBox 41">
+                <p:cNvPr id="12" name="TextBox 11">
                   <a:extLst>
                     <a:ext uri="{FF2B5EF4-FFF2-40B4-BE49-F238E27FC236}">
-                      <a16:creationId xmlns:a16="http://schemas.microsoft.com/office/drawing/2014/main" id="{039F5665-EE78-0617-EAA2-F035D941C48A}"/>
+                      <a16:creationId xmlns:a16="http://schemas.microsoft.com/office/drawing/2014/main" id="{FD3ECA9C-E9DC-372E-D957-16DD5CAD9B83}"/>
                     </a:ext>
                   </a:extLst>
                 </p:cNvPr>
@@ -12183,7 +11986,7 @@
                               <a:rPr lang="en-US" sz="2800" b="0" i="1" smtClean="0">
                                 <a:latin typeface="Cambria Math" panose="02040503050406030204" pitchFamily="18" charset="0"/>
                               </a:rPr>
-                              <m:t>𝑥</m:t>
+                              <m:t>𝑝</m:t>
                             </m:r>
                             <m:r>
                               <a:rPr lang="en-US" sz="2800" b="0" i="1" smtClean="0">
@@ -12213,7 +12016,7 @@
                 <p:cNvPr id="42" name="TextBox 41">
                   <a:extLst>
                     <a:ext uri="{FF2B5EF4-FFF2-40B4-BE49-F238E27FC236}">
-                      <a16:creationId xmlns:a16="http://schemas.microsoft.com/office/drawing/2014/main" id="{039F5665-EE78-0617-EAA2-F035D941C48A}"/>
+                      <a16:creationId xmlns:a16="http://schemas.microsoft.com/office/drawing/2014/main" id="{12637F75-FE10-FC46-20DB-772C41A898CA}"/>
                     </a:ext>
                   </a:extLst>
                 </p:cNvPr>
@@ -12233,7 +12036,7 @@
                 <a:blipFill>
                   <a:blip r:embed="rId5"/>
                   <a:stretch>
-                    <a:fillRect l="-5051" b="-19048"/>
+                    <a:fillRect l="-3883" b="-19048"/>
                   </a:stretch>
                 </a:blipFill>
               </p:spPr>
@@ -12897,8 +12700,8 @@
           </a:p>
         </p:txBody>
       </p:sp>
-      <mc:AlternateContent xmlns:mc="http://schemas.openxmlformats.org/markup-compatibility/2006" xmlns:a14="http://schemas.microsoft.com/office/drawing/2010/main">
-        <mc:Choice Requires="a14">
+      <mc:AlternateContent xmlns:mc="http://schemas.openxmlformats.org/markup-compatibility/2006">
+        <mc:Choice xmlns:a14="http://schemas.microsoft.com/office/drawing/2010/main" Requires="a14">
           <p:sp>
             <p:nvSpPr>
               <p:cNvPr id="8" name="Content Placeholder 7">
@@ -12965,7 +12768,7 @@
                                 </a:solidFill>
                                 <a:latin typeface="Cambria Math" panose="02040503050406030204" pitchFamily="18" charset="0"/>
                               </a:rPr>
-                              <m:t>𝑢</m:t>
+                              <m:t>𝑥</m:t>
                             </m:r>
                           </m:e>
                           <m:sub>
@@ -13039,7 +12842,7 @@
                             </a:solidFill>
                             <a:latin typeface="Cambria Math" panose="02040503050406030204" pitchFamily="18" charset="0"/>
                           </a:rPr>
-                          <m:t>𝛼</m:t>
+                          <m:t>𝜁</m:t>
                         </m:r>
                       </m:e>
                     </m:d>
@@ -13059,7 +12862,7 @@
             </p:txBody>
           </p:sp>
         </mc:Choice>
-        <mc:Fallback xmlns="">
+        <mc:Fallback>
           <p:sp>
             <p:nvSpPr>
               <p:cNvPr id="8" name="Content Placeholder 7">
@@ -13177,6 +12980,179 @@
           </a:effectLst>
         </p:spPr>
       </p:pic>
+      <mc:AlternateContent xmlns:mc="http://schemas.openxmlformats.org/markup-compatibility/2006">
+        <mc:Choice xmlns:a14="http://schemas.microsoft.com/office/drawing/2010/main" Requires="a14">
+          <p:sp>
+            <p:nvSpPr>
+              <p:cNvPr id="2" name="TextBox 1">
+                <a:extLst>
+                  <a:ext uri="{FF2B5EF4-FFF2-40B4-BE49-F238E27FC236}">
+                    <a16:creationId xmlns:a16="http://schemas.microsoft.com/office/drawing/2014/main" id="{F7043E5D-9FA2-4E1C-347F-D90B09F42970}"/>
+                  </a:ext>
+                </a:extLst>
+              </p:cNvPr>
+              <p:cNvSpPr txBox="1"/>
+              <p:nvPr/>
+            </p:nvSpPr>
+            <p:spPr>
+              <a:xfrm>
+                <a:off x="350997" y="5802868"/>
+                <a:ext cx="3346622" cy="369332"/>
+              </a:xfrm>
+              <a:prstGeom prst="rect">
+                <a:avLst/>
+              </a:prstGeom>
+              <a:noFill/>
+            </p:spPr>
+            <p:txBody>
+              <a:bodyPr wrap="none" rtlCol="0">
+                <a:spAutoFit/>
+              </a:bodyPr>
+              <a:lstStyle/>
+              <a:p>
+                <a:r>
+                  <a:rPr lang="en-US" sz="1800" dirty="0"/>
+                  <a:t>Note: </a:t>
+                </a:r>
+                <a14:m>
+                  <m:oMath xmlns:m="http://schemas.openxmlformats.org/officeDocument/2006/math">
+                    <m:sSub>
+                      <m:sSubPr>
+                        <m:ctrlPr>
+                          <a:rPr lang="en-US" sz="1800" b="0" i="1" smtClean="0">
+                            <a:latin typeface="Cambria Math" panose="02040503050406030204" pitchFamily="18" charset="0"/>
+                          </a:rPr>
+                        </m:ctrlPr>
+                      </m:sSubPr>
+                      <m:e>
+                        <m:r>
+                          <a:rPr lang="en-US" sz="1800" b="0" i="1" smtClean="0">
+                            <a:latin typeface="Cambria Math" panose="02040503050406030204" pitchFamily="18" charset="0"/>
+                          </a:rPr>
+                          <m:t>𝑢</m:t>
+                        </m:r>
+                      </m:e>
+                      <m:sub>
+                        <m:r>
+                          <a:rPr lang="en-US" sz="1800" b="0" i="1" smtClean="0">
+                            <a:latin typeface="Cambria Math" panose="02040503050406030204" pitchFamily="18" charset="0"/>
+                          </a:rPr>
+                          <m:t>0</m:t>
+                        </m:r>
+                      </m:sub>
+                    </m:sSub>
+                    <m:r>
+                      <a:rPr lang="en-US" sz="1800" b="0" i="1" smtClean="0">
+                        <a:latin typeface="Cambria Math" panose="02040503050406030204" pitchFamily="18" charset="0"/>
+                      </a:rPr>
+                      <m:t>≡</m:t>
+                    </m:r>
+                    <m:sSub>
+                      <m:sSubPr>
+                        <m:ctrlPr>
+                          <a:rPr lang="en-US" sz="1800" b="0" i="1" smtClean="0">
+                            <a:latin typeface="Cambria Math" panose="02040503050406030204" pitchFamily="18" charset="0"/>
+                          </a:rPr>
+                        </m:ctrlPr>
+                      </m:sSubPr>
+                      <m:e>
+                        <m:r>
+                          <a:rPr lang="en-US" sz="1800" b="0" i="1" smtClean="0">
+                            <a:latin typeface="Cambria Math" panose="02040503050406030204" pitchFamily="18" charset="0"/>
+                          </a:rPr>
+                          <m:t>𝑥</m:t>
+                        </m:r>
+                      </m:e>
+                      <m:sub>
+                        <m:r>
+                          <a:rPr lang="en-US" sz="1800" b="0" i="1" smtClean="0">
+                            <a:latin typeface="Cambria Math" panose="02040503050406030204" pitchFamily="18" charset="0"/>
+                          </a:rPr>
+                          <m:t>0</m:t>
+                        </m:r>
+                      </m:sub>
+                    </m:sSub>
+                  </m:oMath>
+                </a14:m>
+                <a:r>
+                  <a:rPr lang="en-US" sz="1800" dirty="0"/>
+                  <a:t>, </a:t>
+                </a:r>
+                <a14:m>
+                  <m:oMath xmlns:m="http://schemas.openxmlformats.org/officeDocument/2006/math">
+                    <m:r>
+                      <a:rPr lang="en-US" sz="1800" b="0" i="1" smtClean="0">
+                        <a:latin typeface="Cambria Math" panose="02040503050406030204" pitchFamily="18" charset="0"/>
+                      </a:rPr>
+                      <m:t>𝛼</m:t>
+                    </m:r>
+                    <m:r>
+                      <a:rPr lang="en-US" sz="1800" b="0" i="1" smtClean="0">
+                        <a:latin typeface="Cambria Math" panose="02040503050406030204" pitchFamily="18" charset="0"/>
+                      </a:rPr>
+                      <m:t>=</m:t>
+                    </m:r>
+                    <m:r>
+                      <a:rPr lang="en-US" sz="1800" b="0" i="1" smtClean="0">
+                        <a:latin typeface="Cambria Math" panose="02040503050406030204" pitchFamily="18" charset="0"/>
+                      </a:rPr>
+                      <m:t>𝜁</m:t>
+                    </m:r>
+                  </m:oMath>
+                </a14:m>
+                <a:r>
+                  <a:rPr lang="en-US" sz="1800" dirty="0"/>
+                  <a:t> in the plots </a:t>
+                </a:r>
+              </a:p>
+            </p:txBody>
+          </p:sp>
+        </mc:Choice>
+        <mc:Fallback>
+          <p:sp>
+            <p:nvSpPr>
+              <p:cNvPr id="2" name="TextBox 1">
+                <a:extLst>
+                  <a:ext uri="{FF2B5EF4-FFF2-40B4-BE49-F238E27FC236}">
+                    <a16:creationId xmlns:a16="http://schemas.microsoft.com/office/drawing/2014/main" id="{F7043E5D-9FA2-4E1C-347F-D90B09F42970}"/>
+                  </a:ext>
+                </a:extLst>
+              </p:cNvPr>
+              <p:cNvSpPr txBox="1">
+                <a:spLocks noRot="1" noChangeAspect="1" noMove="1" noResize="1" noEditPoints="1" noAdjustHandles="1" noChangeArrowheads="1" noChangeShapeType="1" noTextEdit="1"/>
+              </p:cNvSpPr>
+              <p:nvPr/>
+            </p:nvSpPr>
+            <p:spPr>
+              <a:xfrm>
+                <a:off x="350997" y="5802868"/>
+                <a:ext cx="3346622" cy="369332"/>
+              </a:xfrm>
+              <a:prstGeom prst="rect">
+                <a:avLst/>
+              </a:prstGeom>
+              <a:blipFill>
+                <a:blip r:embed="rId5"/>
+                <a:stretch>
+                  <a:fillRect l="-1509" t="-6452" r="-377" b="-19355"/>
+                </a:stretch>
+              </a:blipFill>
+            </p:spPr>
+            <p:txBody>
+              <a:bodyPr/>
+              <a:lstStyle/>
+              <a:p>
+                <a:r>
+                  <a:rPr lang="en-US">
+                    <a:noFill/>
+                  </a:rPr>
+                  <a:t> </a:t>
+                </a:r>
+              </a:p>
+            </p:txBody>
+          </p:sp>
+        </mc:Fallback>
+      </mc:AlternateContent>
     </p:spTree>
     <p:extLst>
       <p:ext uri="{BB962C8B-B14F-4D97-AF65-F5344CB8AC3E}">
@@ -14244,7 +14220,7 @@
             </a:r>
             <a:r>
               <a:rPr lang="en-US" dirty="0"/>
-              <a:t> many initial/boundary conditions at the same time.</a:t>
+              <a:t> many initial/boundary conditions simultaneously.</a:t>
             </a:r>
           </a:p>
           <a:p>
@@ -14812,8 +14788,8 @@
           </a:p>
         </p:txBody>
       </p:sp>
-      <mc:AlternateContent xmlns:mc="http://schemas.openxmlformats.org/markup-compatibility/2006" xmlns:a14="http://schemas.microsoft.com/office/drawing/2010/main">
-        <mc:Choice Requires="a14">
+      <mc:AlternateContent xmlns:mc="http://schemas.openxmlformats.org/markup-compatibility/2006">
+        <mc:Choice xmlns:a14="http://schemas.microsoft.com/office/drawing/2010/main" Requires="a14">
           <p:sp>
             <p:nvSpPr>
               <p:cNvPr id="8" name="Content Placeholder 7">
@@ -14903,7 +14879,7 @@
                             <a:rPr lang="en-US" b="0" i="1" smtClean="0">
                               <a:latin typeface="Cambria Math" panose="02040503050406030204" pitchFamily="18" charset="0"/>
                             </a:rPr>
-                            <m:t>𝑢</m:t>
+                            <m:t>𝑥</m:t>
                           </m:r>
                         </m:num>
                         <m:den>
@@ -14965,7 +14941,13 @@
                             <a:rPr lang="en-US" b="0" i="1" smtClean="0">
                               <a:latin typeface="Cambria Math" panose="02040503050406030204" pitchFamily="18" charset="0"/>
                             </a:rPr>
-                            <m:t>𝑑𝑢</m:t>
+                            <m:t>𝑑</m:t>
+                          </m:r>
+                          <m:r>
+                            <a:rPr lang="en-US" b="0" i="1" smtClean="0">
+                              <a:latin typeface="Cambria Math" panose="02040503050406030204" pitchFamily="18" charset="0"/>
+                            </a:rPr>
+                            <m:t>𝑥</m:t>
                           </m:r>
                         </m:num>
                         <m:den>
@@ -15050,10 +15032,10 @@
                         </m:fPr>
                         <m:num>
                           <m:r>
-                            <a:rPr lang="en-US" i="1">
+                            <a:rPr lang="en-US" b="0" i="1" smtClean="0">
                               <a:latin typeface="Cambria Math" panose="02040503050406030204" pitchFamily="18" charset="0"/>
                             </a:rPr>
-                            <m:t>𝜇</m:t>
+                            <m:t>𝑐</m:t>
                           </m:r>
                         </m:num>
                         <m:den>
@@ -15156,13 +15138,13 @@
                 <a14:m>
                   <m:oMath xmlns:m="http://schemas.openxmlformats.org/officeDocument/2006/math">
                     <m:r>
-                      <a:rPr lang="en-US" i="1" smtClean="0">
+                      <a:rPr lang="en-US" b="0" i="1" smtClean="0">
                         <a:solidFill>
                           <a:srgbClr val="0033CC"/>
                         </a:solidFill>
                         <a:latin typeface="Cambria Math" panose="02040503050406030204" pitchFamily="18" charset="0"/>
                       </a:rPr>
-                      <m:t>𝑢</m:t>
+                      <m:t>𝑥</m:t>
                     </m:r>
                   </m:oMath>
                 </a14:m>
@@ -15197,19 +15179,19 @@
                 <a14:m>
                   <m:oMath xmlns:m="http://schemas.openxmlformats.org/officeDocument/2006/math">
                     <m:r>
-                      <a:rPr lang="en-US" i="1" smtClean="0">
+                      <a:rPr lang="en-US" b="0" i="1" smtClean="0">
                         <a:solidFill>
                           <a:srgbClr val="0033CC"/>
                         </a:solidFill>
                         <a:latin typeface="Cambria Math" panose="02040503050406030204" pitchFamily="18" charset="0"/>
                       </a:rPr>
-                      <m:t>𝜇</m:t>
+                      <m:t>𝑐</m:t>
                     </m:r>
                   </m:oMath>
                 </a14:m>
                 <a:r>
                   <a:rPr lang="en-US" dirty="0"/>
-                  <a:t> the coefficient of kinetic friction, and </a:t>
+                  <a:t> the viscous damping coefficient, and </a:t>
                 </a:r>
                 <a14:m>
                   <m:oMath xmlns:m="http://schemas.openxmlformats.org/officeDocument/2006/math">
@@ -15313,7 +15295,7 @@
             </p:txBody>
           </p:sp>
         </mc:Choice>
-        <mc:Fallback xmlns="">
+        <mc:Fallback>
           <p:sp>
             <p:nvSpPr>
               <p:cNvPr id="8" name="Content Placeholder 7">
@@ -15471,8 +15453,8 @@
           </a:p>
         </p:txBody>
       </p:sp>
-      <mc:AlternateContent xmlns:mc="http://schemas.openxmlformats.org/markup-compatibility/2006" xmlns:a14="http://schemas.microsoft.com/office/drawing/2010/main">
-        <mc:Choice Requires="a14">
+      <mc:AlternateContent xmlns:mc="http://schemas.openxmlformats.org/markup-compatibility/2006">
+        <mc:Choice xmlns:a14="http://schemas.microsoft.com/office/drawing/2010/main" Requires="a14">
           <p:sp>
             <p:nvSpPr>
               <p:cNvPr id="8" name="Content Placeholder 7">
@@ -15510,7 +15492,7 @@
                         </a:solidFill>
                         <a:latin typeface="Cambria Math" panose="02040503050406030204" pitchFamily="18" charset="0"/>
                       </a:rPr>
-                      <m:t>𝛼</m:t>
+                      <m:t>𝜁</m:t>
                     </m:r>
                     <m:r>
                       <a:rPr lang="en-US" b="0" i="1" smtClean="0">
@@ -15576,16 +15558,8 @@
                   </m:oMath>
                 </a14:m>
                 <a:r>
-                  <a:rPr lang="en-US" dirty="0">
-                    <a:solidFill>
-                      <a:srgbClr val="0033CC"/>
-                    </a:solidFill>
-                  </a:rPr>
-                  <a:t>, </a:t>
-                </a:r>
-                <a:r>
                   <a:rPr lang="en-US" dirty="0"/>
-                  <a:t>which allows us to write</a:t>
+                  <a:t>, the damping ratio, which allows us to write</a:t>
                 </a:r>
               </a:p>
               <a:p>
@@ -15636,7 +15610,7 @@
                             <a:rPr lang="en-US" b="0" i="1" smtClean="0">
                               <a:latin typeface="Cambria Math" panose="02040503050406030204" pitchFamily="18" charset="0"/>
                             </a:rPr>
-                            <m:t>𝑢</m:t>
+                            <m:t>𝑥</m:t>
                           </m:r>
                         </m:num>
                         <m:den>
@@ -15683,7 +15657,7 @@
                         <a:rPr lang="en-US" b="0" i="1" smtClean="0">
                           <a:latin typeface="Cambria Math" panose="02040503050406030204" pitchFamily="18" charset="0"/>
                         </a:rPr>
-                        <m:t>𝛼</m:t>
+                        <m:t>𝜁</m:t>
                       </m:r>
                       <m:f>
                         <m:fPr>
@@ -15698,7 +15672,13 @@
                             <a:rPr lang="en-US" b="0" i="1" smtClean="0">
                               <a:latin typeface="Cambria Math" panose="02040503050406030204" pitchFamily="18" charset="0"/>
                             </a:rPr>
-                            <m:t>𝑑𝑢</m:t>
+                            <m:t>𝑑</m:t>
+                          </m:r>
+                          <m:r>
+                            <a:rPr lang="en-US" b="0" i="1" smtClean="0">
+                              <a:latin typeface="Cambria Math" panose="02040503050406030204" pitchFamily="18" charset="0"/>
+                            </a:rPr>
+                            <m:t>𝑥</m:t>
                           </m:r>
                         </m:num>
                         <m:den>
@@ -15720,7 +15700,7 @@
                         <a:rPr lang="en-US" b="0" i="1" smtClean="0">
                           <a:latin typeface="Cambria Math" panose="02040503050406030204" pitchFamily="18" charset="0"/>
                         </a:rPr>
-                        <m:t>𝑢</m:t>
+                        <m:t>𝑥</m:t>
                       </m:r>
                       <m:r>
                         <a:rPr lang="en-US" b="0" i="1" smtClean="0">
@@ -15852,42 +15832,11 @@
                       <m:jc m:val="centerGroup"/>
                     </m:oMathParaPr>
                     <m:oMath xmlns:m="http://schemas.openxmlformats.org/officeDocument/2006/math">
-                      <m:sSub>
-                        <m:sSubPr>
-                          <m:ctrlPr>
-                            <a:rPr lang="en-US" b="0" i="1" smtClean="0">
-                              <a:latin typeface="Cambria Math" panose="02040503050406030204" pitchFamily="18" charset="0"/>
-                            </a:rPr>
-                          </m:ctrlPr>
-                        </m:sSubPr>
-                        <m:e>
-                          <m:r>
-                            <a:rPr lang="en-US" b="0" i="1" smtClean="0">
-                              <a:latin typeface="Cambria Math" panose="02040503050406030204" pitchFamily="18" charset="0"/>
-                            </a:rPr>
-                            <m:t>𝑢</m:t>
-                          </m:r>
-                        </m:e>
-                        <m:sub>
-                          <m:r>
-                            <a:rPr lang="en-US" b="0" i="1" smtClean="0">
-                              <a:latin typeface="Cambria Math" panose="02040503050406030204" pitchFamily="18" charset="0"/>
-                            </a:rPr>
-                            <m:t>0</m:t>
-                          </m:r>
-                        </m:sub>
-                      </m:sSub>
                       <m:r>
                         <a:rPr lang="en-US" b="0" i="1" smtClean="0">
                           <a:latin typeface="Cambria Math" panose="02040503050406030204" pitchFamily="18" charset="0"/>
                         </a:rPr>
-                        <m:t>=</m:t>
-                      </m:r>
-                      <m:r>
-                        <a:rPr lang="en-US" b="0" i="1" smtClean="0">
-                          <a:latin typeface="Cambria Math" panose="02040503050406030204" pitchFamily="18" charset="0"/>
-                        </a:rPr>
-                        <m:t>𝑢</m:t>
+                        <m:t>𝑥</m:t>
                       </m:r>
                       <m:d>
                         <m:dPr>
@@ -15910,7 +15859,7 @@
                         <a:rPr lang="en-US" b="0" i="1" smtClean="0">
                           <a:latin typeface="Cambria Math" panose="02040503050406030204" pitchFamily="18" charset="0"/>
                         </a:rPr>
-                        <m:t>,  </m:t>
+                        <m:t>=</m:t>
                       </m:r>
                       <m:sSub>
                         <m:sSubPr>
@@ -15925,7 +15874,7 @@
                             <a:rPr lang="en-US" b="0" i="1" smtClean="0">
                               <a:latin typeface="Cambria Math" panose="02040503050406030204" pitchFamily="18" charset="0"/>
                             </a:rPr>
-                            <m:t>𝑣</m:t>
+                            <m:t>𝑥</m:t>
                           </m:r>
                         </m:e>
                         <m:sub>
@@ -15941,7 +15890,13 @@
                         <a:rPr lang="en-US" b="0" i="1" smtClean="0">
                           <a:latin typeface="Cambria Math" panose="02040503050406030204" pitchFamily="18" charset="0"/>
                         </a:rPr>
-                        <m:t>=</m:t>
+                        <m:t>, </m:t>
+                      </m:r>
+                      <m:r>
+                        <a:rPr lang="en-US" b="0" i="1" smtClean="0">
+                          <a:latin typeface="Cambria Math" panose="02040503050406030204" pitchFamily="18" charset="0"/>
+                        </a:rPr>
+                        <m:t> </m:t>
                       </m:r>
                       <m:sSub>
                         <m:sSubPr>
@@ -15976,7 +15931,13 @@
                                     <a:rPr lang="en-US" i="1">
                                       <a:latin typeface="Cambria Math" panose="02040503050406030204" pitchFamily="18" charset="0"/>
                                     </a:rPr>
-                                    <m:t>𝑑𝑢</m:t>
+                                    <m:t>𝑑</m:t>
+                                  </m:r>
+                                  <m:r>
+                                    <a:rPr lang="en-US" b="0" i="1" smtClean="0">
+                                      <a:latin typeface="Cambria Math" panose="02040503050406030204" pitchFamily="18" charset="0"/>
+                                    </a:rPr>
+                                    <m:t>𝑥</m:t>
                                   </m:r>
                                 </m:num>
                                 <m:den>
@@ -16006,6 +15967,37 @@
                           </m:r>
                         </m:sub>
                       </m:sSub>
+                      <m:r>
+                        <a:rPr lang="en-US" b="0" i="1" smtClean="0">
+                          <a:latin typeface="Cambria Math" panose="02040503050406030204" pitchFamily="18" charset="0"/>
+                        </a:rPr>
+                        <m:t>=</m:t>
+                      </m:r>
+                      <m:sSub>
+                        <m:sSubPr>
+                          <m:ctrlPr>
+                            <a:rPr lang="en-US" b="0" i="1" smtClean="0">
+                              <a:latin typeface="Cambria Math" panose="02040503050406030204" pitchFamily="18" charset="0"/>
+                            </a:rPr>
+                          </m:ctrlPr>
+                        </m:sSubPr>
+                        <m:e>
+                          <m:r>
+                            <a:rPr lang="en-US" b="0" i="1" smtClean="0">
+                              <a:latin typeface="Cambria Math" panose="02040503050406030204" pitchFamily="18" charset="0"/>
+                            </a:rPr>
+                            <m:t>𝑣</m:t>
+                          </m:r>
+                        </m:e>
+                        <m:sub>
+                          <m:r>
+                            <a:rPr lang="en-US" b="0" i="1" smtClean="0">
+                              <a:latin typeface="Cambria Math" panose="02040503050406030204" pitchFamily="18" charset="0"/>
+                            </a:rPr>
+                            <m:t>0</m:t>
+                          </m:r>
+                        </m:sub>
+                      </m:sSub>
                     </m:oMath>
                   </m:oMathPara>
                 </a14:m>
@@ -16029,7 +16021,7 @@
             </p:txBody>
           </p:sp>
         </mc:Choice>
-        <mc:Fallback xmlns="">
+        <mc:Fallback>
           <p:sp>
             <p:nvSpPr>
               <p:cNvPr id="8" name="Content Placeholder 7">
@@ -16091,140 +16083,6 @@
       </p:transition>
     </mc:Fallback>
   </mc:AlternateContent>
-  <p:timing>
-    <p:tnLst>
-      <p:par>
-        <p:cTn id="1" dur="indefinite" restart="never" nodeType="tmRoot">
-          <p:childTnLst>
-            <p:seq concurrent="1" nextAc="seek">
-              <p:cTn id="2" dur="indefinite" nodeType="mainSeq">
-                <p:childTnLst>
-                  <p:par>
-                    <p:cTn id="3" fill="hold">
-                      <p:stCondLst>
-                        <p:cond delay="indefinite"/>
-                      </p:stCondLst>
-                      <p:childTnLst>
-                        <p:par>
-                          <p:cTn id="4" fill="hold">
-                            <p:stCondLst>
-                              <p:cond delay="0"/>
-                            </p:stCondLst>
-                            <p:childTnLst>
-                              <p:par>
-                                <p:cTn id="5" presetID="10" presetClass="entr" presetSubtype="0" fill="hold" nodeType="clickEffect">
-                                  <p:stCondLst>
-                                    <p:cond delay="0"/>
-                                  </p:stCondLst>
-                                  <p:childTnLst>
-                                    <p:set>
-                                      <p:cBhvr>
-                                        <p:cTn id="6" dur="1" fill="hold">
-                                          <p:stCondLst>
-                                            <p:cond delay="0"/>
-                                          </p:stCondLst>
-                                        </p:cTn>
-                                        <p:tgtEl>
-                                          <p:spTgt spid="8">
-                                            <p:txEl>
-                                              <p:pRg st="4" end="4"/>
-                                            </p:txEl>
-                                          </p:spTgt>
-                                        </p:tgtEl>
-                                        <p:attrNameLst>
-                                          <p:attrName>style.visibility</p:attrName>
-                                        </p:attrNameLst>
-                                      </p:cBhvr>
-                                      <p:to>
-                                        <p:strVal val="visible"/>
-                                      </p:to>
-                                    </p:set>
-                                    <p:animEffect transition="in" filter="fade">
-                                      <p:cBhvr>
-                                        <p:cTn id="7" dur="500"/>
-                                        <p:tgtEl>
-                                          <p:spTgt spid="8">
-                                            <p:txEl>
-                                              <p:pRg st="4" end="4"/>
-                                            </p:txEl>
-                                          </p:spTgt>
-                                        </p:tgtEl>
-                                      </p:cBhvr>
-                                    </p:animEffect>
-                                  </p:childTnLst>
-                                </p:cTn>
-                              </p:par>
-                              <p:par>
-                                <p:cTn id="8" presetID="10" presetClass="entr" presetSubtype="0" fill="hold" nodeType="withEffect">
-                                  <p:stCondLst>
-                                    <p:cond delay="0"/>
-                                  </p:stCondLst>
-                                  <p:childTnLst>
-                                    <p:set>
-                                      <p:cBhvr>
-                                        <p:cTn id="9" dur="1" fill="hold">
-                                          <p:stCondLst>
-                                            <p:cond delay="0"/>
-                                          </p:stCondLst>
-                                        </p:cTn>
-                                        <p:tgtEl>
-                                          <p:spTgt spid="8">
-                                            <p:txEl>
-                                              <p:pRg st="5" end="5"/>
-                                            </p:txEl>
-                                          </p:spTgt>
-                                        </p:tgtEl>
-                                        <p:attrNameLst>
-                                          <p:attrName>style.visibility</p:attrName>
-                                        </p:attrNameLst>
-                                      </p:cBhvr>
-                                      <p:to>
-                                        <p:strVal val="visible"/>
-                                      </p:to>
-                                    </p:set>
-                                    <p:animEffect transition="in" filter="fade">
-                                      <p:cBhvr>
-                                        <p:cTn id="10" dur="500"/>
-                                        <p:tgtEl>
-                                          <p:spTgt spid="8">
-                                            <p:txEl>
-                                              <p:pRg st="5" end="5"/>
-                                            </p:txEl>
-                                          </p:spTgt>
-                                        </p:tgtEl>
-                                      </p:cBhvr>
-                                    </p:animEffect>
-                                  </p:childTnLst>
-                                </p:cTn>
-                              </p:par>
-                            </p:childTnLst>
-                          </p:cTn>
-                        </p:par>
-                      </p:childTnLst>
-                    </p:cTn>
-                  </p:par>
-                </p:childTnLst>
-              </p:cTn>
-              <p:prevCondLst>
-                <p:cond evt="onPrev" delay="0">
-                  <p:tgtEl>
-                    <p:sldTgt/>
-                  </p:tgtEl>
-                </p:cond>
-              </p:prevCondLst>
-              <p:nextCondLst>
-                <p:cond evt="onNext" delay="0">
-                  <p:tgtEl>
-                    <p:sldTgt/>
-                  </p:tgtEl>
-                </p:cond>
-              </p:nextCondLst>
-            </p:seq>
-          </p:childTnLst>
-        </p:cTn>
-      </p:par>
-    </p:tnLst>
-  </p:timing>
 </p:sld>
 </file>
 
@@ -16284,8 +16142,8 @@
           </a:p>
         </p:txBody>
       </p:sp>
-      <mc:AlternateContent xmlns:mc="http://schemas.openxmlformats.org/markup-compatibility/2006" xmlns:a14="http://schemas.microsoft.com/office/drawing/2010/main">
-        <mc:Choice Requires="a14">
+      <mc:AlternateContent xmlns:mc="http://schemas.openxmlformats.org/markup-compatibility/2006">
+        <mc:Choice xmlns:a14="http://schemas.microsoft.com/office/drawing/2010/main" Requires="a14">
           <p:sp>
             <p:nvSpPr>
               <p:cNvPr id="8" name="Content Placeholder 7">
@@ -16321,7 +16179,7 @@
                 </a:pPr>
                 <a:r>
                   <a:rPr lang="en-US" dirty="0"/>
-                  <a:t>We’ll consider the case </a:t>
+                  <a:t>We’ll consider the underdamped case </a:t>
                 </a:r>
                 <a14:m>
                   <m:oMath xmlns:m="http://schemas.openxmlformats.org/officeDocument/2006/math">
@@ -16332,7 +16190,7 @@
                         </a:solidFill>
                         <a:latin typeface="Cambria Math" panose="02040503050406030204" pitchFamily="18" charset="0"/>
                       </a:rPr>
-                      <m:t>𝛼</m:t>
+                      <m:t>𝜁</m:t>
                     </m:r>
                     <m:r>
                       <a:rPr lang="en-US" b="0" i="1" smtClean="0">
@@ -16364,7 +16222,7 @@
                         <a:rPr lang="en-US" b="0" i="1" smtClean="0">
                           <a:latin typeface="Cambria Math" panose="02040503050406030204" pitchFamily="18" charset="0"/>
                         </a:rPr>
-                        <m:t>𝑢</m:t>
+                        <m:t>𝑥</m:t>
                       </m:r>
                       <m:d>
                         <m:dPr>
@@ -16411,7 +16269,7 @@
                                 <a:rPr lang="en-US" b="0" i="1" smtClean="0">
                                   <a:latin typeface="Cambria Math" panose="02040503050406030204" pitchFamily="18" charset="0"/>
                                 </a:rPr>
-                                <m:t>𝑢</m:t>
+                                <m:t>𝑥</m:t>
                               </m:r>
                             </m:e>
                             <m:sub>
@@ -16494,7 +16352,7 @@
                                 <a:rPr lang="en-US" b="0" i="1" smtClean="0">
                                   <a:latin typeface="Cambria Math" panose="02040503050406030204" pitchFamily="18" charset="0"/>
                                 </a:rPr>
-                                <m:t>𝛼</m:t>
+                                <m:t>𝜁</m:t>
                               </m:r>
                               <m:r>
                                 <a:rPr lang="en-US" b="0" i="1" smtClean="0">
@@ -16569,7 +16427,7 @@
                                             <a:rPr lang="en-US" b="0" i="1" smtClean="0">
                                               <a:latin typeface="Cambria Math" panose="02040503050406030204" pitchFamily="18" charset="0"/>
                                             </a:rPr>
-                                            <m:t>𝛼</m:t>
+                                            <m:t>𝜁</m:t>
                                           </m:r>
                                         </m:e>
                                         <m:sup>
@@ -16685,7 +16543,7 @@
                                       <a:rPr lang="en-US" b="0" i="1" smtClean="0">
                                         <a:latin typeface="Cambria Math" panose="02040503050406030204" pitchFamily="18" charset="0"/>
                                       </a:rPr>
-                                      <m:t>𝛼</m:t>
+                                      <m:t>𝜁</m:t>
                                     </m:r>
                                     <m:r>
                                       <a:rPr lang="en-US" b="0" i="1" smtClean="0">
@@ -16737,7 +16595,7 @@
                                           <a:rPr lang="en-US" b="0" i="1" smtClean="0">
                                             <a:latin typeface="Cambria Math" panose="02040503050406030204" pitchFamily="18" charset="0"/>
                                           </a:rPr>
-                                          <m:t>𝑢</m:t>
+                                          <m:t>𝑥</m:t>
                                         </m:r>
                                       </m:e>
                                       <m:sub>
@@ -16783,7 +16641,7 @@
                                           <a:rPr lang="en-US" b="0" i="1" smtClean="0">
                                             <a:latin typeface="Cambria Math" panose="02040503050406030204" pitchFamily="18" charset="0"/>
                                           </a:rPr>
-                                          <m:t>𝛼</m:t>
+                                          <m:t>𝜁</m:t>
                                         </m:r>
                                       </m:e>
                                       <m:sup>
@@ -16821,10 +16679,6 @@
                   <a:rPr lang="en-US" dirty="0"/>
                   <a:t>The exact solution can be used to check the accuracy of the neural network solutions.  </a:t>
                 </a:r>
-                <a:br>
-                  <a:rPr lang="en-US" dirty="0"/>
-                </a:br>
-                <a:endParaRPr lang="en-US" dirty="0"/>
               </a:p>
               <a:p>
                 <a:r>
@@ -16857,24 +16711,6 @@
                         </m:ctrlPr>
                       </m:dPr>
                       <m:e>
-                        <m:r>
-                          <a:rPr lang="en-US" b="0" i="1" smtClean="0">
-                            <a:solidFill>
-                              <a:srgbClr val="0033CC"/>
-                            </a:solidFill>
-                            <a:latin typeface="Cambria Math" panose="02040503050406030204" pitchFamily="18" charset="0"/>
-                          </a:rPr>
-                          <m:t>𝛼</m:t>
-                        </m:r>
-                        <m:r>
-                          <a:rPr lang="en-US" b="0" i="1" smtClean="0">
-                            <a:solidFill>
-                              <a:srgbClr val="0033CC"/>
-                            </a:solidFill>
-                            <a:latin typeface="Cambria Math" panose="02040503050406030204" pitchFamily="18" charset="0"/>
-                          </a:rPr>
-                          <m:t>, </m:t>
-                        </m:r>
                         <m:sSub>
                           <m:sSubPr>
                             <m:ctrlPr>
@@ -16894,7 +16730,7 @@
                                 </a:solidFill>
                                 <a:latin typeface="Cambria Math" panose="02040503050406030204" pitchFamily="18" charset="0"/>
                               </a:rPr>
-                              <m:t>𝑢</m:t>
+                              <m:t>𝑥</m:t>
                             </m:r>
                           </m:e>
                           <m:sub>
@@ -16952,6 +16788,24 @@
                             </m:r>
                           </m:sub>
                         </m:sSub>
+                        <m:r>
+                          <a:rPr lang="en-US" b="0" i="1" smtClean="0">
+                            <a:solidFill>
+                              <a:srgbClr val="0033CC"/>
+                            </a:solidFill>
+                            <a:latin typeface="Cambria Math" panose="02040503050406030204" pitchFamily="18" charset="0"/>
+                          </a:rPr>
+                          <m:t>,</m:t>
+                        </m:r>
+                        <m:r>
+                          <a:rPr lang="en-US" b="0" i="1" smtClean="0">
+                            <a:solidFill>
+                              <a:srgbClr val="0033CC"/>
+                            </a:solidFill>
+                            <a:latin typeface="Cambria Math" panose="02040503050406030204" pitchFamily="18" charset="0"/>
+                          </a:rPr>
+                          <m:t>𝜁</m:t>
+                        </m:r>
                       </m:e>
                     </m:d>
                     <m:r>
@@ -17025,7 +16879,7 @@
             </p:txBody>
           </p:sp>
         </mc:Choice>
-        <mc:Fallback xmlns="">
+        <mc:Fallback>
           <p:sp>
             <p:nvSpPr>
               <p:cNvPr id="8" name="Content Placeholder 7">
@@ -17046,7 +16900,7 @@
               <a:blipFill>
                 <a:blip r:embed="rId2"/>
                 <a:stretch>
-                  <a:fillRect l="-1305" t="-1316" r="-1958"/>
+                  <a:fillRect l="-1305" t="-1316" r="-1958" b="-1316"/>
                 </a:stretch>
               </a:blipFill>
             </p:spPr>
@@ -17087,158 +16941,6 @@
       </p:transition>
     </mc:Fallback>
   </mc:AlternateContent>
-  <p:timing>
-    <p:tnLst>
-      <p:par>
-        <p:cTn id="1" dur="indefinite" restart="never" nodeType="tmRoot">
-          <p:childTnLst>
-            <p:seq concurrent="1" nextAc="seek">
-              <p:cTn id="2" dur="indefinite" nodeType="mainSeq">
-                <p:childTnLst>
-                  <p:par>
-                    <p:cTn id="3" fill="hold">
-                      <p:stCondLst>
-                        <p:cond delay="indefinite"/>
-                      </p:stCondLst>
-                      <p:childTnLst>
-                        <p:par>
-                          <p:cTn id="4" fill="hold">
-                            <p:stCondLst>
-                              <p:cond delay="0"/>
-                            </p:stCondLst>
-                            <p:childTnLst>
-                              <p:par>
-                                <p:cTn id="5" presetID="10" presetClass="entr" presetSubtype="0" fill="hold" nodeType="clickEffect">
-                                  <p:stCondLst>
-                                    <p:cond delay="0"/>
-                                  </p:stCondLst>
-                                  <p:childTnLst>
-                                    <p:set>
-                                      <p:cBhvr>
-                                        <p:cTn id="6" dur="1" fill="hold">
-                                          <p:stCondLst>
-                                            <p:cond delay="0"/>
-                                          </p:stCondLst>
-                                        </p:cTn>
-                                        <p:tgtEl>
-                                          <p:spTgt spid="8">
-                                            <p:txEl>
-                                              <p:pRg st="5" end="5"/>
-                                            </p:txEl>
-                                          </p:spTgt>
-                                        </p:tgtEl>
-                                        <p:attrNameLst>
-                                          <p:attrName>style.visibility</p:attrName>
-                                        </p:attrNameLst>
-                                      </p:cBhvr>
-                                      <p:to>
-                                        <p:strVal val="visible"/>
-                                      </p:to>
-                                    </p:set>
-                                    <p:animEffect transition="in" filter="fade">
-                                      <p:cBhvr>
-                                        <p:cTn id="7" dur="500"/>
-                                        <p:tgtEl>
-                                          <p:spTgt spid="8">
-                                            <p:txEl>
-                                              <p:pRg st="5" end="5"/>
-                                            </p:txEl>
-                                          </p:spTgt>
-                                        </p:tgtEl>
-                                      </p:cBhvr>
-                                    </p:animEffect>
-                                  </p:childTnLst>
-                                </p:cTn>
-                              </p:par>
-                            </p:childTnLst>
-                          </p:cTn>
-                        </p:par>
-                      </p:childTnLst>
-                    </p:cTn>
-                  </p:par>
-                  <p:par>
-                    <p:cTn id="8" fill="hold">
-                      <p:stCondLst>
-                        <p:cond delay="indefinite"/>
-                      </p:stCondLst>
-                      <p:childTnLst>
-                        <p:par>
-                          <p:cTn id="9" fill="hold">
-                            <p:stCondLst>
-                              <p:cond delay="0"/>
-                            </p:stCondLst>
-                            <p:childTnLst>
-                              <p:par>
-                                <p:cTn id="10" presetID="10" presetClass="entr" presetSubtype="0" fill="hold" nodeType="clickEffect">
-                                  <p:stCondLst>
-                                    <p:cond delay="0"/>
-                                  </p:stCondLst>
-                                  <p:childTnLst>
-                                    <p:set>
-                                      <p:cBhvr>
-                                        <p:cTn id="11" dur="1" fill="hold">
-                                          <p:stCondLst>
-                                            <p:cond delay="0"/>
-                                          </p:stCondLst>
-                                        </p:cTn>
-                                        <p:tgtEl>
-                                          <p:spTgt spid="8">
-                                            <p:txEl>
-                                              <p:pRg st="6" end="6"/>
-                                            </p:txEl>
-                                          </p:spTgt>
-                                        </p:tgtEl>
-                                        <p:attrNameLst>
-                                          <p:attrName>style.visibility</p:attrName>
-                                        </p:attrNameLst>
-                                      </p:cBhvr>
-                                      <p:to>
-                                        <p:strVal val="visible"/>
-                                      </p:to>
-                                    </p:set>
-                                    <p:animEffect transition="in" filter="fade">
-                                      <p:cBhvr>
-                                        <p:cTn id="12" dur="500"/>
-                                        <p:tgtEl>
-                                          <p:spTgt spid="8">
-                                            <p:txEl>
-                                              <p:pRg st="6" end="6"/>
-                                            </p:txEl>
-                                          </p:spTgt>
-                                        </p:tgtEl>
-                                      </p:cBhvr>
-                                    </p:animEffect>
-                                  </p:childTnLst>
-                                </p:cTn>
-                              </p:par>
-                            </p:childTnLst>
-                          </p:cTn>
-                        </p:par>
-                      </p:childTnLst>
-                    </p:cTn>
-                  </p:par>
-                </p:childTnLst>
-              </p:cTn>
-              <p:prevCondLst>
-                <p:cond evt="onPrev" delay="0">
-                  <p:tgtEl>
-                    <p:sldTgt/>
-                  </p:tgtEl>
-                </p:cond>
-              </p:prevCondLst>
-              <p:nextCondLst>
-                <p:cond evt="onNext" delay="0">
-                  <p:tgtEl>
-                    <p:sldTgt/>
-                  </p:tgtEl>
-                </p:cond>
-              </p:nextCondLst>
-            </p:seq>
-          </p:childTnLst>
-        </p:cTn>
-      </p:par>
-    </p:tnLst>
-  </p:timing>
 </p:sld>
 </file>
 

--- a/Lectures/Week08/Lecture14.pptx
+++ b/Lectures/Week08/Lecture14.pptx
@@ -3341,8 +3341,8 @@
           </a:p>
         </p:txBody>
       </p:sp>
-      <mc:AlternateContent xmlns:mc="http://schemas.openxmlformats.org/markup-compatibility/2006">
-        <mc:Choice xmlns:a14="http://schemas.microsoft.com/office/drawing/2010/main" Requires="a14">
+      <mc:AlternateContent xmlns:mc="http://schemas.openxmlformats.org/markup-compatibility/2006" xmlns:a14="http://schemas.microsoft.com/office/drawing/2010/main">
+        <mc:Choice Requires="a14">
           <p:sp>
             <p:nvSpPr>
               <p:cNvPr id="8" name="Content Placeholder 7">
@@ -3876,7 +3876,7 @@
             </p:txBody>
           </p:sp>
         </mc:Choice>
-        <mc:Fallback>
+        <mc:Fallback xmlns="">
           <p:sp>
             <p:nvSpPr>
               <p:cNvPr id="8" name="Content Placeholder 7">
@@ -4000,8 +4000,8 @@
           </a:p>
         </p:txBody>
       </p:sp>
-      <mc:AlternateContent xmlns:mc="http://schemas.openxmlformats.org/markup-compatibility/2006">
-        <mc:Choice xmlns:a14="http://schemas.microsoft.com/office/drawing/2010/main" Requires="a14">
+      <mc:AlternateContent xmlns:mc="http://schemas.openxmlformats.org/markup-compatibility/2006" xmlns:a14="http://schemas.microsoft.com/office/drawing/2010/main">
+        <mc:Choice Requires="a14">
           <p:sp>
             <p:nvSpPr>
               <p:cNvPr id="8" name="Content Placeholder 7">
@@ -5284,7 +5284,7 @@
             </p:txBody>
           </p:sp>
         </mc:Choice>
-        <mc:Fallback>
+        <mc:Fallback xmlns="">
           <p:sp>
             <p:nvSpPr>
               <p:cNvPr id="8" name="Content Placeholder 7">
@@ -6027,8 +6027,8 @@
           </a:p>
         </p:txBody>
       </p:sp>
-      <mc:AlternateContent xmlns:mc="http://schemas.openxmlformats.org/markup-compatibility/2006">
-        <mc:Choice xmlns:a14="http://schemas.microsoft.com/office/drawing/2010/main" Requires="a14">
+      <mc:AlternateContent xmlns:mc="http://schemas.openxmlformats.org/markup-compatibility/2006" xmlns:a14="http://schemas.microsoft.com/office/drawing/2010/main">
+        <mc:Choice Requires="a14">
           <p:sp>
             <p:nvSpPr>
               <p:cNvPr id="8" name="Content Placeholder 7">
@@ -6744,7 +6744,7 @@
             </p:txBody>
           </p:sp>
         </mc:Choice>
-        <mc:Fallback>
+        <mc:Fallback xmlns="">
           <p:sp>
             <p:nvSpPr>
               <p:cNvPr id="8" name="Content Placeholder 7">
@@ -6916,7 +6916,7 @@
                 </a:r>
                 <a:r>
                   <a:rPr lang="en-US" dirty="0"/>
-                  <a:t>), that is, the technology that is used to compute the gradients, </a:t>
+                  <a:t>). This is the technology that is used to compute the gradients, </a:t>
                 </a:r>
                 <a:r>
                   <a:rPr lang="en-US" i="1" u="sng" dirty="0">
@@ -7779,8 +7779,8 @@
           </a:p>
         </p:txBody>
       </p:sp>
-      <mc:AlternateContent xmlns:mc="http://schemas.openxmlformats.org/markup-compatibility/2006">
-        <mc:Choice xmlns:a14="http://schemas.microsoft.com/office/drawing/2010/main" Requires="a14">
+      <mc:AlternateContent xmlns:mc="http://schemas.openxmlformats.org/markup-compatibility/2006" xmlns:a14="http://schemas.microsoft.com/office/drawing/2010/main">
+        <mc:Choice Requires="a14">
           <p:sp>
             <p:nvSpPr>
               <p:cNvPr id="8" name="Content Placeholder 7">
@@ -8353,7 +8353,7 @@
             </p:txBody>
           </p:sp>
         </mc:Choice>
-        <mc:Fallback>
+        <mc:Fallback xmlns="">
           <p:sp>
             <p:nvSpPr>
               <p:cNvPr id="8" name="Content Placeholder 7">
@@ -8477,8 +8477,8 @@
           </a:p>
         </p:txBody>
       </p:sp>
-      <mc:AlternateContent xmlns:mc="http://schemas.openxmlformats.org/markup-compatibility/2006">
-        <mc:Choice xmlns:a14="http://schemas.microsoft.com/office/drawing/2010/main" Requires="a14">
+      <mc:AlternateContent xmlns:mc="http://schemas.openxmlformats.org/markup-compatibility/2006" xmlns:a14="http://schemas.microsoft.com/office/drawing/2010/main">
+        <mc:Choice Requires="a14">
           <p:sp>
             <p:nvSpPr>
               <p:cNvPr id="8" name="Content Placeholder 7">
@@ -9294,7 +9294,7 @@
             </p:txBody>
           </p:sp>
         </mc:Choice>
-        <mc:Fallback>
+        <mc:Fallback xmlns="">
           <p:sp>
             <p:nvSpPr>
               <p:cNvPr id="8" name="Content Placeholder 7">
@@ -9418,8 +9418,8 @@
           </a:p>
         </p:txBody>
       </p:sp>
-      <mc:AlternateContent xmlns:mc="http://schemas.openxmlformats.org/markup-compatibility/2006">
-        <mc:Choice xmlns:a14="http://schemas.microsoft.com/office/drawing/2010/main" Requires="a14">
+      <mc:AlternateContent xmlns:mc="http://schemas.openxmlformats.org/markup-compatibility/2006" xmlns:a14="http://schemas.microsoft.com/office/drawing/2010/main">
+        <mc:Choice Requires="a14">
           <p:sp>
             <p:nvSpPr>
               <p:cNvPr id="8" name="Content Placeholder 7">
@@ -9586,7 +9586,7 @@
             </p:txBody>
           </p:sp>
         </mc:Choice>
-        <mc:Fallback>
+        <mc:Fallback xmlns="">
           <p:sp>
             <p:nvSpPr>
               <p:cNvPr id="8" name="Content Placeholder 7">
@@ -9710,8 +9710,8 @@
           </a:p>
         </p:txBody>
       </p:sp>
-      <mc:AlternateContent xmlns:mc="http://schemas.openxmlformats.org/markup-compatibility/2006">
-        <mc:Choice xmlns:a14="http://schemas.microsoft.com/office/drawing/2010/main" Requires="a14">
+      <mc:AlternateContent xmlns:mc="http://schemas.openxmlformats.org/markup-compatibility/2006" xmlns:a14="http://schemas.microsoft.com/office/drawing/2010/main">
+        <mc:Choice Requires="a14">
           <p:sp>
             <p:nvSpPr>
               <p:cNvPr id="8" name="Content Placeholder 7">
@@ -10130,16 +10130,7 @@
                             </a:solidFill>
                             <a:latin typeface="Cambria Math" panose="02040503050406030204" pitchFamily="18" charset="0"/>
                           </a:rPr>
-                          <m:t>𝑑</m:t>
-                        </m:r>
-                        <m:r>
-                          <a:rPr lang="en-US" b="0" i="1" smtClean="0">
-                            <a:solidFill>
-                              <a:srgbClr val="0033CC"/>
-                            </a:solidFill>
-                            <a:latin typeface="Cambria Math" panose="02040503050406030204" pitchFamily="18" charset="0"/>
-                          </a:rPr>
-                          <m:t>𝑥</m:t>
+                          <m:t>𝑑𝑥</m:t>
                         </m:r>
                       </m:num>
                       <m:den>
@@ -10264,7 +10255,7 @@
             </p:txBody>
           </p:sp>
         </mc:Choice>
-        <mc:Fallback>
+        <mc:Fallback xmlns="">
           <p:sp>
             <p:nvSpPr>
               <p:cNvPr id="8" name="Content Placeholder 7">
@@ -10392,8 +10383,8 @@
           </a:p>
         </p:txBody>
       </p:sp>
-      <mc:AlternateContent xmlns:mc="http://schemas.openxmlformats.org/markup-compatibility/2006">
-        <mc:Choice xmlns:a14="http://schemas.microsoft.com/office/drawing/2010/main" Requires="a14">
+      <mc:AlternateContent xmlns:mc="http://schemas.openxmlformats.org/markup-compatibility/2006" xmlns:a14="http://schemas.microsoft.com/office/drawing/2010/main">
+        <mc:Choice Requires="a14">
           <p:sp>
             <p:nvSpPr>
               <p:cNvPr id="8" name="Content Placeholder 7">
@@ -10903,19 +10894,7 @@
                           <a:rPr lang="en-US" b="0" i="1" smtClean="0">
                             <a:latin typeface="Cambria Math" panose="02040503050406030204" pitchFamily="18" charset="0"/>
                           </a:rPr>
-                          <m:t>5</m:t>
-                        </m:r>
-                        <m:r>
-                          <a:rPr lang="en-US" b="0" i="1" smtClean="0">
-                            <a:latin typeface="Cambria Math" panose="02040503050406030204" pitchFamily="18" charset="0"/>
-                          </a:rPr>
-                          <m:t>×</m:t>
-                        </m:r>
-                        <m:r>
-                          <a:rPr lang="en-US" b="0" i="1" smtClean="0">
-                            <a:latin typeface="Cambria Math" panose="02040503050406030204" pitchFamily="18" charset="0"/>
-                          </a:rPr>
-                          <m:t>10</m:t>
+                          <m:t>5×10</m:t>
                         </m:r>
                       </m:e>
                       <m:sup>
@@ -10923,13 +10902,7 @@
                           <a:rPr lang="en-US" b="0" i="1" smtClean="0">
                             <a:latin typeface="Cambria Math" panose="02040503050406030204" pitchFamily="18" charset="0"/>
                           </a:rPr>
-                          <m:t>−</m:t>
-                        </m:r>
-                        <m:r>
-                          <a:rPr lang="en-US" b="0" i="1" smtClean="0">
-                            <a:latin typeface="Cambria Math" panose="02040503050406030204" pitchFamily="18" charset="0"/>
-                          </a:rPr>
-                          <m:t>4</m:t>
+                          <m:t>−4</m:t>
                         </m:r>
                       </m:sup>
                     </m:sSup>
@@ -10960,7 +10933,7 @@
             </p:txBody>
           </p:sp>
         </mc:Choice>
-        <mc:Fallback>
+        <mc:Fallback xmlns="">
           <p:sp>
             <p:nvSpPr>
               <p:cNvPr id="8" name="Content Placeholder 7">
@@ -12700,8 +12673,8 @@
           </a:p>
         </p:txBody>
       </p:sp>
-      <mc:AlternateContent xmlns:mc="http://schemas.openxmlformats.org/markup-compatibility/2006">
-        <mc:Choice xmlns:a14="http://schemas.microsoft.com/office/drawing/2010/main" Requires="a14">
+      <mc:AlternateContent xmlns:mc="http://schemas.openxmlformats.org/markup-compatibility/2006" xmlns:a14="http://schemas.microsoft.com/office/drawing/2010/main">
+        <mc:Choice Requires="a14">
           <p:sp>
             <p:nvSpPr>
               <p:cNvPr id="8" name="Content Placeholder 7">
@@ -12862,7 +12835,7 @@
             </p:txBody>
           </p:sp>
         </mc:Choice>
-        <mc:Fallback>
+        <mc:Fallback xmlns="">
           <p:sp>
             <p:nvSpPr>
               <p:cNvPr id="8" name="Content Placeholder 7">
@@ -12980,8 +12953,8 @@
           </a:effectLst>
         </p:spPr>
       </p:pic>
-      <mc:AlternateContent xmlns:mc="http://schemas.openxmlformats.org/markup-compatibility/2006">
-        <mc:Choice xmlns:a14="http://schemas.microsoft.com/office/drawing/2010/main" Requires="a14">
+      <mc:AlternateContent xmlns:mc="http://schemas.openxmlformats.org/markup-compatibility/2006" xmlns:a14="http://schemas.microsoft.com/office/drawing/2010/main">
+        <mc:Choice Requires="a14">
           <p:sp>
             <p:nvSpPr>
               <p:cNvPr id="2" name="TextBox 1">
@@ -13108,7 +13081,7 @@
             </p:txBody>
           </p:sp>
         </mc:Choice>
-        <mc:Fallback>
+        <mc:Fallback xmlns="">
           <p:sp>
             <p:nvSpPr>
               <p:cNvPr id="2" name="TextBox 1">
@@ -14788,8 +14761,8 @@
           </a:p>
         </p:txBody>
       </p:sp>
-      <mc:AlternateContent xmlns:mc="http://schemas.openxmlformats.org/markup-compatibility/2006">
-        <mc:Choice xmlns:a14="http://schemas.microsoft.com/office/drawing/2010/main" Requires="a14">
+      <mc:AlternateContent xmlns:mc="http://schemas.openxmlformats.org/markup-compatibility/2006" xmlns:a14="http://schemas.microsoft.com/office/drawing/2010/main">
+        <mc:Choice Requires="a14">
           <p:sp>
             <p:nvSpPr>
               <p:cNvPr id="8" name="Content Placeholder 7">
@@ -14941,13 +14914,7 @@
                             <a:rPr lang="en-US" b="0" i="1" smtClean="0">
                               <a:latin typeface="Cambria Math" panose="02040503050406030204" pitchFamily="18" charset="0"/>
                             </a:rPr>
-                            <m:t>𝑑</m:t>
-                          </m:r>
-                          <m:r>
-                            <a:rPr lang="en-US" b="0" i="1" smtClean="0">
-                              <a:latin typeface="Cambria Math" panose="02040503050406030204" pitchFamily="18" charset="0"/>
-                            </a:rPr>
-                            <m:t>𝑥</m:t>
+                            <m:t>𝑑𝑥</m:t>
                           </m:r>
                         </m:num>
                         <m:den>
@@ -15295,7 +15262,7 @@
             </p:txBody>
           </p:sp>
         </mc:Choice>
-        <mc:Fallback>
+        <mc:Fallback xmlns="">
           <p:sp>
             <p:nvSpPr>
               <p:cNvPr id="8" name="Content Placeholder 7">
@@ -15453,8 +15420,8 @@
           </a:p>
         </p:txBody>
       </p:sp>
-      <mc:AlternateContent xmlns:mc="http://schemas.openxmlformats.org/markup-compatibility/2006">
-        <mc:Choice xmlns:a14="http://schemas.microsoft.com/office/drawing/2010/main" Requires="a14">
+      <mc:AlternateContent xmlns:mc="http://schemas.openxmlformats.org/markup-compatibility/2006" xmlns:a14="http://schemas.microsoft.com/office/drawing/2010/main">
+        <mc:Choice Requires="a14">
           <p:sp>
             <p:nvSpPr>
               <p:cNvPr id="8" name="Content Placeholder 7">
@@ -15672,13 +15639,7 @@
                             <a:rPr lang="en-US" b="0" i="1" smtClean="0">
                               <a:latin typeface="Cambria Math" panose="02040503050406030204" pitchFamily="18" charset="0"/>
                             </a:rPr>
-                            <m:t>𝑑</m:t>
-                          </m:r>
-                          <m:r>
-                            <a:rPr lang="en-US" b="0" i="1" smtClean="0">
-                              <a:latin typeface="Cambria Math" panose="02040503050406030204" pitchFamily="18" charset="0"/>
-                            </a:rPr>
-                            <m:t>𝑥</m:t>
+                            <m:t>𝑑𝑥</m:t>
                           </m:r>
                         </m:num>
                         <m:den>
@@ -15890,13 +15851,7 @@
                         <a:rPr lang="en-US" b="0" i="1" smtClean="0">
                           <a:latin typeface="Cambria Math" panose="02040503050406030204" pitchFamily="18" charset="0"/>
                         </a:rPr>
-                        <m:t>, </m:t>
-                      </m:r>
-                      <m:r>
-                        <a:rPr lang="en-US" b="0" i="1" smtClean="0">
-                          <a:latin typeface="Cambria Math" panose="02040503050406030204" pitchFamily="18" charset="0"/>
-                        </a:rPr>
-                        <m:t> </m:t>
+                        <m:t>,  </m:t>
                       </m:r>
                       <m:sSub>
                         <m:sSubPr>
@@ -16021,7 +15976,7 @@
             </p:txBody>
           </p:sp>
         </mc:Choice>
-        <mc:Fallback>
+        <mc:Fallback xmlns="">
           <p:sp>
             <p:nvSpPr>
               <p:cNvPr id="8" name="Content Placeholder 7">
@@ -16142,8 +16097,8 @@
           </a:p>
         </p:txBody>
       </p:sp>
-      <mc:AlternateContent xmlns:mc="http://schemas.openxmlformats.org/markup-compatibility/2006">
-        <mc:Choice xmlns:a14="http://schemas.microsoft.com/office/drawing/2010/main" Requires="a14">
+      <mc:AlternateContent xmlns:mc="http://schemas.openxmlformats.org/markup-compatibility/2006" xmlns:a14="http://schemas.microsoft.com/office/drawing/2010/main">
+        <mc:Choice Requires="a14">
           <p:sp>
             <p:nvSpPr>
               <p:cNvPr id="8" name="Content Placeholder 7">
@@ -16879,7 +16834,7 @@
             </p:txBody>
           </p:sp>
         </mc:Choice>
-        <mc:Fallback>
+        <mc:Fallback xmlns="">
           <p:sp>
             <p:nvSpPr>
               <p:cNvPr id="8" name="Content Placeholder 7">
